--- a/MEGA系統分析報告.pptx
+++ b/MEGA系統分析報告.pptx
@@ -7,24 +7,27 @@
   <p:sldIdLst>
     <p:sldId id="256" r:id="rId2"/>
     <p:sldId id="257" r:id="rId3"/>
-    <p:sldId id="258" r:id="rId4"/>
-    <p:sldId id="259" r:id="rId5"/>
-    <p:sldId id="261" r:id="rId6"/>
-    <p:sldId id="263" r:id="rId7"/>
-    <p:sldId id="262" r:id="rId8"/>
-    <p:sldId id="269" r:id="rId9"/>
-    <p:sldId id="265" r:id="rId10"/>
-    <p:sldId id="270" r:id="rId11"/>
-    <p:sldId id="266" r:id="rId12"/>
-    <p:sldId id="267" r:id="rId13"/>
-    <p:sldId id="271" r:id="rId14"/>
-    <p:sldId id="272" r:id="rId15"/>
-    <p:sldId id="273" r:id="rId16"/>
-    <p:sldId id="274" r:id="rId17"/>
-    <p:sldId id="275" r:id="rId18"/>
-    <p:sldId id="276" r:id="rId19"/>
-    <p:sldId id="278" r:id="rId20"/>
-    <p:sldId id="277" r:id="rId21"/>
+    <p:sldId id="279" r:id="rId4"/>
+    <p:sldId id="280" r:id="rId5"/>
+    <p:sldId id="281" r:id="rId6"/>
+    <p:sldId id="258" r:id="rId7"/>
+    <p:sldId id="259" r:id="rId8"/>
+    <p:sldId id="261" r:id="rId9"/>
+    <p:sldId id="263" r:id="rId10"/>
+    <p:sldId id="262" r:id="rId11"/>
+    <p:sldId id="269" r:id="rId12"/>
+    <p:sldId id="265" r:id="rId13"/>
+    <p:sldId id="270" r:id="rId14"/>
+    <p:sldId id="266" r:id="rId15"/>
+    <p:sldId id="267" r:id="rId16"/>
+    <p:sldId id="271" r:id="rId17"/>
+    <p:sldId id="272" r:id="rId18"/>
+    <p:sldId id="273" r:id="rId19"/>
+    <p:sldId id="274" r:id="rId20"/>
+    <p:sldId id="275" r:id="rId21"/>
+    <p:sldId id="276" r:id="rId22"/>
+    <p:sldId id="278" r:id="rId23"/>
+    <p:sldId id="277" r:id="rId24"/>
   </p:sldIdLst>
   <p:sldSz cx="12192000" cy="6858000"/>
   <p:notesSz cx="6858000" cy="9144000"/>
@@ -6021,7 +6024,7 @@
           <p:cNvPr id="2" name="標題 1">
             <a:extLst>
               <a:ext uri="{FF2B5EF4-FFF2-40B4-BE49-F238E27FC236}">
-                <a16:creationId xmlns:a16="http://schemas.microsoft.com/office/drawing/2014/main" id="{A040F2C2-4EB1-9DDC-129B-3ADB6D1E99C8}"/>
+                <a16:creationId xmlns:a16="http://schemas.microsoft.com/office/drawing/2014/main" id="{EECBF254-B020-093B-6794-E94675CB09AC}"/>
               </a:ext>
             </a:extLst>
           </p:cNvPr>
@@ -6034,34 +6037,49 @@
         </p:nvSpPr>
         <p:spPr>
           <a:xfrm>
-            <a:off x="268448" y="0"/>
+            <a:off x="593522" y="408265"/>
             <a:ext cx="10131425" cy="1456267"/>
           </a:xfrm>
         </p:spPr>
         <p:txBody>
-          <a:bodyPr/>
+          <a:bodyPr>
+            <a:normAutofit/>
+          </a:bodyPr>
           <a:lstStyle/>
           <a:p>
             <a:r>
               <a:rPr lang="zh-TW" altLang="en-US" dirty="0"/>
-              <a:t>商業版</a:t>
-            </a:r>
+              <a:t>協同合作：</a:t>
+            </a:r>
+            <a:r>
+              <a:rPr lang="zh-TW" altLang="en-US" b="0" i="0" dirty="0">
+                <a:effectLst/>
+                <a:latin typeface="var(--text-font-family-second-bold)"/>
+              </a:rPr>
+              <a:t>安全，簡單，以及全方位</a:t>
+            </a:r>
+            <a:br>
+              <a:rPr lang="en-US" altLang="zh-TW" dirty="0"/>
+            </a:br>
+            <a:endParaRPr lang="zh-TW" altLang="en-US" dirty="0"/>
           </a:p>
         </p:txBody>
       </p:sp>
       <p:pic>
         <p:nvPicPr>
-          <p:cNvPr id="4" name="圖片 3">
+          <p:cNvPr id="5" name="內容版面配置區 4">
             <a:extLst>
               <a:ext uri="{FF2B5EF4-FFF2-40B4-BE49-F238E27FC236}">
-                <a16:creationId xmlns:a16="http://schemas.microsoft.com/office/drawing/2014/main" id="{1CA3FD62-029F-CAD9-B402-70920489E74B}"/>
+                <a16:creationId xmlns:a16="http://schemas.microsoft.com/office/drawing/2014/main" id="{70DFC4C9-F9B6-DFBE-73D6-70A6238325D1}"/>
               </a:ext>
             </a:extLst>
           </p:cNvPr>
           <p:cNvPicPr>
-            <a:picLocks noChangeAspect="1"/>
+            <a:picLocks noGrp="1" noChangeAspect="1"/>
           </p:cNvPicPr>
-          <p:nvPr/>
+          <p:nvPr>
+            <p:ph idx="1"/>
+          </p:nvPr>
         </p:nvPicPr>
         <p:blipFill>
           <a:blip r:embed="rId2"/>
@@ -6071,18 +6089,15 @@
         </p:blipFill>
         <p:spPr>
           <a:xfrm>
-            <a:off x="808887" y="1573832"/>
-            <a:ext cx="10574226" cy="4532157"/>
-          </a:xfrm>
-          <a:prstGeom prst="rect">
-            <a:avLst/>
-          </a:prstGeom>
+            <a:off x="2008840" y="1549894"/>
+            <a:ext cx="8174319" cy="5138927"/>
+          </a:xfrm>
         </p:spPr>
       </p:pic>
     </p:spTree>
     <p:extLst>
       <p:ext uri="{BB962C8B-B14F-4D97-AF65-F5344CB8AC3E}">
-        <p14:creationId xmlns:p14="http://schemas.microsoft.com/office/powerpoint/2010/main" val="2345506059"/>
+        <p14:creationId xmlns:p14="http://schemas.microsoft.com/office/powerpoint/2010/main" val="2703971805"/>
       </p:ext>
     </p:extLst>
   </p:cSld>
@@ -6114,7 +6129,7 @@
           <p:cNvPr id="2" name="標題 1">
             <a:extLst>
               <a:ext uri="{FF2B5EF4-FFF2-40B4-BE49-F238E27FC236}">
-                <a16:creationId xmlns:a16="http://schemas.microsoft.com/office/drawing/2014/main" id="{BE20ADCA-7247-2430-6465-2AB6FB21F665}"/>
+                <a16:creationId xmlns:a16="http://schemas.microsoft.com/office/drawing/2014/main" id="{A040F2C2-4EB1-9DDC-129B-3ADB6D1E99C8}"/>
               </a:ext>
             </a:extLst>
           </p:cNvPr>
@@ -6125,114 +6140,38 @@
             <p:ph type="title"/>
           </p:nvPr>
         </p:nvSpPr>
-        <p:spPr/>
+        <p:spPr>
+          <a:xfrm>
+            <a:off x="268448" y="0"/>
+            <a:ext cx="10131425" cy="1456267"/>
+          </a:xfrm>
+        </p:spPr>
         <p:txBody>
           <a:bodyPr/>
           <a:lstStyle/>
           <a:p>
             <a:r>
-              <a:rPr lang="zh-TW" altLang="en-US" b="0" i="0" dirty="0">
-                <a:effectLst/>
-                <a:latin typeface="montserrat_light"/>
-              </a:rPr>
-              <a:t>適合您企業的安全解決方案</a:t>
-            </a:r>
-            <a:endParaRPr lang="zh-TW" altLang="en-US" dirty="0"/>
-          </a:p>
-        </p:txBody>
-      </p:sp>
-      <p:sp>
-        <p:nvSpPr>
-          <p:cNvPr id="3" name="內容版面配置區 2">
+              <a:rPr lang="zh-TW" altLang="en-US" dirty="0"/>
+              <a:t>個人版</a:t>
+            </a:r>
+          </a:p>
+        </p:txBody>
+      </p:sp>
+      <p:pic>
+        <p:nvPicPr>
+          <p:cNvPr id="5" name="內容版面配置區 4">
             <a:extLst>
               <a:ext uri="{FF2B5EF4-FFF2-40B4-BE49-F238E27FC236}">
-                <a16:creationId xmlns:a16="http://schemas.microsoft.com/office/drawing/2014/main" id="{B096F071-2A72-6363-D2AF-FAB8ACF5895F}"/>
-              </a:ext>
-            </a:extLst>
-          </p:cNvPr>
-          <p:cNvSpPr>
-            <a:spLocks noGrp="1"/>
-          </p:cNvSpPr>
-          <p:nvPr>
-            <p:ph idx="1"/>
-          </p:nvPr>
-        </p:nvSpPr>
-        <p:spPr>
-          <a:xfrm>
-            <a:off x="685801" y="2142067"/>
-            <a:ext cx="4347593" cy="3649133"/>
-          </a:xfrm>
-        </p:spPr>
-        <p:txBody>
-          <a:bodyPr/>
-          <a:lstStyle/>
-          <a:p>
-            <a:r>
-              <a:rPr lang="zh-TW" altLang="en-US" b="0" i="0" dirty="0">
-                <a:effectLst/>
-                <a:latin typeface="LatoWeb"/>
-              </a:rPr>
-              <a:t>有我們使用者控制的點對點加密功能，您的資料與通訊再安全不過的了。透過</a:t>
-            </a:r>
-            <a:r>
-              <a:rPr lang="en-US" altLang="zh-TW" b="0" i="0" dirty="0">
-                <a:effectLst/>
-                <a:latin typeface="LatoWeb"/>
-              </a:rPr>
-              <a:t>MEGA</a:t>
-            </a:r>
-            <a:r>
-              <a:rPr lang="zh-TW" altLang="en-US" b="0" i="0" dirty="0">
-                <a:effectLst/>
-                <a:latin typeface="LatoWeb"/>
-              </a:rPr>
-              <a:t>簡單的檔案儲存與共享、輕鬆的使用者管理、無限制的檔案大小、受密碼保護的連結以及更多功能，在您所有裝置安全地進行共享與協作。而且別忘了我們的客服團隊是一天</a:t>
-            </a:r>
-            <a:r>
-              <a:rPr lang="en-US" altLang="zh-TW" b="0" i="0" dirty="0">
-                <a:effectLst/>
-                <a:latin typeface="LatoWeb"/>
-              </a:rPr>
-              <a:t>24</a:t>
-            </a:r>
-            <a:r>
-              <a:rPr lang="zh-TW" altLang="en-US" b="0" i="0" dirty="0">
-                <a:effectLst/>
-                <a:latin typeface="LatoWeb"/>
-              </a:rPr>
-              <a:t>小時，一周</a:t>
-            </a:r>
-            <a:r>
-              <a:rPr lang="en-US" altLang="zh-TW" b="0" i="0" dirty="0">
-                <a:effectLst/>
-                <a:latin typeface="LatoWeb"/>
-              </a:rPr>
-              <a:t>7</a:t>
-            </a:r>
-            <a:r>
-              <a:rPr lang="zh-TW" altLang="en-US" b="0" i="0" dirty="0">
-                <a:effectLst/>
-                <a:latin typeface="LatoWeb"/>
-              </a:rPr>
-              <a:t>天全天候為您服務，並且優先支援商業版帳戶。</a:t>
-            </a:r>
-            <a:endParaRPr lang="zh-TW" altLang="en-US" dirty="0"/>
-          </a:p>
-        </p:txBody>
-      </p:sp>
-      <p:pic>
-        <p:nvPicPr>
-          <p:cNvPr id="5" name="圖片 4">
-            <a:extLst>
-              <a:ext uri="{FF2B5EF4-FFF2-40B4-BE49-F238E27FC236}">
-                <a16:creationId xmlns:a16="http://schemas.microsoft.com/office/drawing/2014/main" id="{251156C4-C2FF-2730-9231-8B2031960A72}"/>
+                <a16:creationId xmlns:a16="http://schemas.microsoft.com/office/drawing/2014/main" id="{7D82FDA2-83D4-170A-E646-E4448FDEF67A}"/>
               </a:ext>
             </a:extLst>
           </p:cNvPr>
           <p:cNvPicPr>
-            <a:picLocks noChangeAspect="1"/>
+            <a:picLocks noGrp="1" noChangeAspect="1"/>
           </p:cNvPicPr>
-          <p:nvPr/>
+          <p:nvPr>
+            <p:ph idx="1"/>
+          </p:nvPr>
         </p:nvPicPr>
         <p:blipFill>
           <a:blip r:embed="rId2"/>
@@ -6242,18 +6181,15 @@
         </p:blipFill>
         <p:spPr>
           <a:xfrm>
-            <a:off x="5656715" y="2142067"/>
-            <a:ext cx="5550978" cy="3758977"/>
-          </a:xfrm>
-          <a:prstGeom prst="rect">
-            <a:avLst/>
-          </a:prstGeom>
+            <a:off x="2587178" y="728133"/>
+            <a:ext cx="7017644" cy="5868265"/>
+          </a:xfrm>
         </p:spPr>
       </p:pic>
     </p:spTree>
     <p:extLst>
       <p:ext uri="{BB962C8B-B14F-4D97-AF65-F5344CB8AC3E}">
-        <p14:creationId xmlns:p14="http://schemas.microsoft.com/office/powerpoint/2010/main" val="4172673542"/>
+        <p14:creationId xmlns:p14="http://schemas.microsoft.com/office/powerpoint/2010/main" val="962945905"/>
       </p:ext>
     </p:extLst>
   </p:cSld>
@@ -6285,7 +6221,7 @@
           <p:cNvPr id="2" name="標題 1">
             <a:extLst>
               <a:ext uri="{FF2B5EF4-FFF2-40B4-BE49-F238E27FC236}">
-                <a16:creationId xmlns:a16="http://schemas.microsoft.com/office/drawing/2014/main" id="{09AEC0D0-C563-FAC5-15E6-A741B8461E89}"/>
+                <a16:creationId xmlns:a16="http://schemas.microsoft.com/office/drawing/2014/main" id="{3D9C1DCA-42E1-5F55-2DD7-410ABE9761DB}"/>
               </a:ext>
             </a:extLst>
           </p:cNvPr>
@@ -6296,175 +6232,30 @@
             <p:ph type="title"/>
           </p:nvPr>
         </p:nvSpPr>
-        <p:spPr/>
-        <p:txBody>
-          <a:bodyPr/>
-          <a:lstStyle/>
-          <a:p>
-            <a:r>
-              <a:rPr lang="zh-TW" altLang="en-US" b="0" i="0" dirty="0">
-                <a:effectLst/>
-                <a:latin typeface="montserrat_light"/>
-              </a:rPr>
-              <a:t>比較</a:t>
-            </a:r>
-            <a:r>
-              <a:rPr lang="en-US" altLang="zh-TW" b="0" i="0" dirty="0">
-                <a:effectLst/>
-                <a:latin typeface="montserrat_light"/>
-              </a:rPr>
-              <a:t>MEGA</a:t>
-            </a:r>
-            <a:r>
-              <a:rPr lang="zh-TW" altLang="en-US" b="0" i="0" dirty="0">
-                <a:effectLst/>
-                <a:latin typeface="montserrat_light"/>
-              </a:rPr>
-              <a:t>與</a:t>
-            </a:r>
-            <a:r>
-              <a:rPr lang="en-US" altLang="zh-TW" b="0" i="0" dirty="0">
-                <a:effectLst/>
-                <a:latin typeface="montserrat_light"/>
-              </a:rPr>
-              <a:t>Google</a:t>
-            </a:r>
-            <a:endParaRPr lang="zh-TW" altLang="en-US" dirty="0"/>
-          </a:p>
-        </p:txBody>
-      </p:sp>
-      <p:sp>
-        <p:nvSpPr>
-          <p:cNvPr id="3" name="內容版面配置區 2">
-            <a:extLst>
-              <a:ext uri="{FF2B5EF4-FFF2-40B4-BE49-F238E27FC236}">
-                <a16:creationId xmlns:a16="http://schemas.microsoft.com/office/drawing/2014/main" id="{449E3C4C-6874-69E9-880A-91EC9E3BAF42}"/>
-              </a:ext>
-            </a:extLst>
-          </p:cNvPr>
-          <p:cNvSpPr>
-            <a:spLocks noGrp="1"/>
-          </p:cNvSpPr>
-          <p:nvPr>
-            <p:ph idx="1"/>
-          </p:nvPr>
-        </p:nvSpPr>
-        <p:spPr>
-          <a:xfrm>
-            <a:off x="685801" y="2142067"/>
-            <a:ext cx="4498595" cy="3193331"/>
-          </a:xfrm>
-        </p:spPr>
-        <p:txBody>
-          <a:bodyPr/>
-          <a:lstStyle/>
-          <a:p>
-            <a:r>
-              <a:rPr lang="en-US" altLang="zh-TW" b="0" i="0" dirty="0">
-                <a:effectLst/>
-                <a:latin typeface="LatoWeb"/>
-              </a:rPr>
-              <a:t>MEGA</a:t>
-            </a:r>
-            <a:r>
-              <a:rPr lang="zh-TW" altLang="en-US" b="0" i="0" dirty="0">
-                <a:effectLst/>
-                <a:latin typeface="LatoWeb"/>
-              </a:rPr>
-              <a:t>商業版計算方式不同。我們會針對不同用戶的儲存空間與傳輸配額做各別收費。更棒的是，我們僅會依照您的實際使用量，以每增加</a:t>
-            </a:r>
-            <a:r>
-              <a:rPr lang="en-US" altLang="zh-TW" b="0" i="0" dirty="0">
-                <a:effectLst/>
-                <a:latin typeface="LatoWeb"/>
-              </a:rPr>
-              <a:t>1 TB</a:t>
-            </a:r>
-            <a:r>
-              <a:rPr lang="zh-TW" altLang="en-US" b="0" i="0" dirty="0">
-                <a:effectLst/>
-                <a:latin typeface="LatoWeb"/>
-              </a:rPr>
-              <a:t>做增量收費。您無需為之後才會用到的大空間與流量配額預先付費。使用</a:t>
-            </a:r>
-            <a:r>
-              <a:rPr lang="en-US" altLang="zh-TW" b="0" i="0" dirty="0">
-                <a:effectLst/>
-                <a:latin typeface="LatoWeb"/>
-              </a:rPr>
-              <a:t>MEGA</a:t>
-            </a:r>
-            <a:r>
-              <a:rPr lang="zh-TW" altLang="en-US" b="0" i="0" dirty="0">
-                <a:effectLst/>
-                <a:latin typeface="LatoWeb"/>
-              </a:rPr>
-              <a:t>商業版您可以用多少付多少。</a:t>
-            </a:r>
-            <a:br>
-              <a:rPr lang="zh-TW" altLang="en-US" dirty="0"/>
-            </a:br>
-            <a:br>
-              <a:rPr lang="zh-TW" altLang="en-US" dirty="0"/>
-            </a:br>
-            <a:r>
-              <a:rPr lang="zh-TW" altLang="en-US" b="0" i="0" dirty="0">
-                <a:effectLst/>
-                <a:latin typeface="LatoWeb"/>
-              </a:rPr>
-              <a:t>試試</a:t>
-            </a:r>
-            <a:r>
-              <a:rPr lang="en-US" altLang="zh-TW" b="0" i="0" dirty="0">
-                <a:effectLst/>
-                <a:latin typeface="LatoWeb"/>
-              </a:rPr>
-              <a:t>MEGA</a:t>
-            </a:r>
-            <a:r>
-              <a:rPr lang="zh-TW" altLang="en-US" b="0" i="0" dirty="0">
-                <a:effectLst/>
-                <a:latin typeface="LatoWeb"/>
-              </a:rPr>
-              <a:t>的費用比較工具來看看您可以節省多少費用。</a:t>
-            </a:r>
-            <a:endParaRPr lang="zh-TW" altLang="en-US" dirty="0"/>
-          </a:p>
-        </p:txBody>
-      </p:sp>
-      <p:pic>
-        <p:nvPicPr>
-          <p:cNvPr id="7" name="圖片 6">
-            <a:extLst>
-              <a:ext uri="{FF2B5EF4-FFF2-40B4-BE49-F238E27FC236}">
-                <a16:creationId xmlns:a16="http://schemas.microsoft.com/office/drawing/2014/main" id="{0BD7C7FB-548C-2B8B-9F6C-7E3944DE2903}"/>
-              </a:ext>
-            </a:extLst>
-          </p:cNvPr>
-          <p:cNvPicPr>
-            <a:picLocks noChangeAspect="1"/>
-          </p:cNvPicPr>
-          <p:nvPr/>
-        </p:nvPicPr>
-        <p:blipFill rotWithShape="1">
-          <a:blip r:embed="rId2"/>
-          <a:srcRect l="5701" t="7594" r="2425"/>
-          <a:stretch/>
-        </p:blipFill>
-        <p:spPr>
-          <a:xfrm>
-            <a:off x="5751513" y="1375794"/>
-            <a:ext cx="4687549" cy="4529977"/>
-          </a:xfrm>
-          <a:prstGeom prst="rect">
-            <a:avLst/>
-          </a:prstGeom>
-        </p:spPr>
-      </p:pic>
+        <p:spPr>
+          <a:xfrm>
+            <a:off x="1030287" y="2700866"/>
+            <a:ext cx="10131425" cy="1456267"/>
+          </a:xfrm>
+        </p:spPr>
+        <p:txBody>
+          <a:bodyPr>
+            <a:normAutofit/>
+          </a:bodyPr>
+          <a:lstStyle/>
+          <a:p>
+            <a:pPr algn="ctr"/>
+            <a:r>
+              <a:rPr lang="zh-TW" altLang="en-US" sz="5400" dirty="0"/>
+              <a:t>商業功能</a:t>
+            </a:r>
+          </a:p>
+        </p:txBody>
+      </p:sp>
     </p:spTree>
     <p:extLst>
       <p:ext uri="{BB962C8B-B14F-4D97-AF65-F5344CB8AC3E}">
-        <p14:creationId xmlns:p14="http://schemas.microsoft.com/office/powerpoint/2010/main" val="3325800087"/>
+        <p14:creationId xmlns:p14="http://schemas.microsoft.com/office/powerpoint/2010/main" val="2290891143"/>
       </p:ext>
     </p:extLst>
   </p:cSld>
@@ -6496,7 +6287,7 @@
           <p:cNvPr id="2" name="標題 1">
             <a:extLst>
               <a:ext uri="{FF2B5EF4-FFF2-40B4-BE49-F238E27FC236}">
-                <a16:creationId xmlns:a16="http://schemas.microsoft.com/office/drawing/2014/main" id="{3D9C1DCA-42E1-5F55-2DD7-410ABE9761DB}"/>
+                <a16:creationId xmlns:a16="http://schemas.microsoft.com/office/drawing/2014/main" id="{A040F2C2-4EB1-9DDC-129B-3ADB6D1E99C8}"/>
               </a:ext>
             </a:extLst>
           </p:cNvPr>
@@ -6509,32 +6300,55 @@
         </p:nvSpPr>
         <p:spPr>
           <a:xfrm>
-            <a:off x="1030287" y="2700866"/>
+            <a:off x="268448" y="0"/>
             <a:ext cx="10131425" cy="1456267"/>
           </a:xfrm>
         </p:spPr>
         <p:txBody>
-          <a:bodyPr>
-            <a:normAutofit/>
-          </a:bodyPr>
-          <a:lstStyle/>
-          <a:p>
-            <a:pPr algn="ctr"/>
-            <a:r>
-              <a:rPr lang="en-US" altLang="zh-TW" sz="5400" dirty="0"/>
-              <a:t>MEGA</a:t>
-            </a:r>
-            <a:r>
-              <a:rPr lang="zh-TW" altLang="en-US" sz="5400" dirty="0"/>
-              <a:t>系統分析表</a:t>
-            </a:r>
-          </a:p>
-        </p:txBody>
-      </p:sp>
+          <a:bodyPr/>
+          <a:lstStyle/>
+          <a:p>
+            <a:r>
+              <a:rPr lang="zh-TW" altLang="en-US" dirty="0"/>
+              <a:t>商業版</a:t>
+            </a:r>
+          </a:p>
+        </p:txBody>
+      </p:sp>
+      <p:pic>
+        <p:nvPicPr>
+          <p:cNvPr id="4" name="圖片 3">
+            <a:extLst>
+              <a:ext uri="{FF2B5EF4-FFF2-40B4-BE49-F238E27FC236}">
+                <a16:creationId xmlns:a16="http://schemas.microsoft.com/office/drawing/2014/main" id="{1CA3FD62-029F-CAD9-B402-70920489E74B}"/>
+              </a:ext>
+            </a:extLst>
+          </p:cNvPr>
+          <p:cNvPicPr>
+            <a:picLocks noChangeAspect="1"/>
+          </p:cNvPicPr>
+          <p:nvPr/>
+        </p:nvPicPr>
+        <p:blipFill>
+          <a:blip r:embed="rId2"/>
+          <a:stretch>
+            <a:fillRect/>
+          </a:stretch>
+        </p:blipFill>
+        <p:spPr>
+          <a:xfrm>
+            <a:off x="808887" y="1573832"/>
+            <a:ext cx="10574226" cy="4532157"/>
+          </a:xfrm>
+          <a:prstGeom prst="rect">
+            <a:avLst/>
+          </a:prstGeom>
+        </p:spPr>
+      </p:pic>
     </p:spTree>
     <p:extLst>
       <p:ext uri="{BB962C8B-B14F-4D97-AF65-F5344CB8AC3E}">
-        <p14:creationId xmlns:p14="http://schemas.microsoft.com/office/powerpoint/2010/main" val="3402226173"/>
+        <p14:creationId xmlns:p14="http://schemas.microsoft.com/office/powerpoint/2010/main" val="2345506059"/>
       </p:ext>
     </p:extLst>
   </p:cSld>
@@ -6566,7 +6380,7 @@
           <p:cNvPr id="2" name="標題 1">
             <a:extLst>
               <a:ext uri="{FF2B5EF4-FFF2-40B4-BE49-F238E27FC236}">
-                <a16:creationId xmlns:a16="http://schemas.microsoft.com/office/drawing/2014/main" id="{A7EF15FB-ECE1-A445-34D4-F9FF7B72B547}"/>
+                <a16:creationId xmlns:a16="http://schemas.microsoft.com/office/drawing/2014/main" id="{BE20ADCA-7247-2430-6465-2AB6FB21F665}"/>
               </a:ext>
             </a:extLst>
           </p:cNvPr>
@@ -6583,47 +6397,101 @@
           <a:lstStyle/>
           <a:p>
             <a:r>
-              <a:rPr lang="zh-TW" altLang="en-US" dirty="0"/>
-              <a:t>利害關係人</a:t>
-            </a:r>
-          </a:p>
-        </p:txBody>
-      </p:sp>
-      <p:pic>
-        <p:nvPicPr>
-          <p:cNvPr id="9" name="內容版面配置區 8">
+              <a:rPr lang="zh-TW" altLang="en-US" b="0" i="0" dirty="0">
+                <a:effectLst/>
+                <a:latin typeface="montserrat_light"/>
+              </a:rPr>
+              <a:t>適合您企業的安全解決方案</a:t>
+            </a:r>
+            <a:endParaRPr lang="zh-TW" altLang="en-US" dirty="0"/>
+          </a:p>
+        </p:txBody>
+      </p:sp>
+      <p:sp>
+        <p:nvSpPr>
+          <p:cNvPr id="3" name="內容版面配置區 2">
             <a:extLst>
               <a:ext uri="{FF2B5EF4-FFF2-40B4-BE49-F238E27FC236}">
-                <a16:creationId xmlns:a16="http://schemas.microsoft.com/office/drawing/2014/main" id="{F8198BFD-AC9A-B4C1-DC5B-5C1CB9554125}"/>
+                <a16:creationId xmlns:a16="http://schemas.microsoft.com/office/drawing/2014/main" id="{B096F071-2A72-6363-D2AF-FAB8ACF5895F}"/>
               </a:ext>
             </a:extLst>
           </p:cNvPr>
-          <p:cNvPicPr>
-            <a:picLocks noGrp="1" noChangeAspect="1"/>
-          </p:cNvPicPr>
+          <p:cNvSpPr>
+            <a:spLocks noGrp="1"/>
+          </p:cNvSpPr>
           <p:nvPr>
             <p:ph idx="1"/>
           </p:nvPr>
-        </p:nvPicPr>
-        <p:blipFill>
-          <a:blip r:embed="rId2"/>
-          <a:stretch>
-            <a:fillRect/>
-          </a:stretch>
-        </p:blipFill>
-        <p:spPr>
-          <a:xfrm>
-            <a:off x="3229955" y="1034315"/>
-            <a:ext cx="4153883" cy="5567192"/>
-          </a:xfrm>
-        </p:spPr>
-      </p:pic>
+        </p:nvSpPr>
+        <p:spPr>
+          <a:xfrm>
+            <a:off x="685801" y="2142067"/>
+            <a:ext cx="4347593" cy="3649133"/>
+          </a:xfrm>
+        </p:spPr>
+        <p:txBody>
+          <a:bodyPr/>
+          <a:lstStyle/>
+          <a:p>
+            <a:r>
+              <a:rPr lang="zh-TW" altLang="en-US" b="0" i="0" dirty="0">
+                <a:effectLst/>
+                <a:latin typeface="LatoWeb"/>
+              </a:rPr>
+              <a:t>有我們使用者控制的點對點加密功能，您的資料與通訊再安全不過的了。透過</a:t>
+            </a:r>
+            <a:r>
+              <a:rPr lang="en-US" altLang="zh-TW" b="0" i="0" dirty="0">
+                <a:effectLst/>
+                <a:latin typeface="LatoWeb"/>
+              </a:rPr>
+              <a:t>MEGA</a:t>
+            </a:r>
+            <a:r>
+              <a:rPr lang="zh-TW" altLang="en-US" b="0" i="0" dirty="0">
+                <a:effectLst/>
+                <a:latin typeface="LatoWeb"/>
+              </a:rPr>
+              <a:t>簡單的檔案儲存與共享、輕鬆的使用者管理、無限制的檔案大小、受密碼保護的連結以及更多功能，在您所有裝置安全地進行共享與協作。而且別忘了我們的客服團隊是一天</a:t>
+            </a:r>
+            <a:r>
+              <a:rPr lang="en-US" altLang="zh-TW" b="0" i="0" dirty="0">
+                <a:effectLst/>
+                <a:latin typeface="LatoWeb"/>
+              </a:rPr>
+              <a:t>24</a:t>
+            </a:r>
+            <a:r>
+              <a:rPr lang="zh-TW" altLang="en-US" b="0" i="0" dirty="0">
+                <a:effectLst/>
+                <a:latin typeface="LatoWeb"/>
+              </a:rPr>
+              <a:t>小時，一周</a:t>
+            </a:r>
+            <a:r>
+              <a:rPr lang="en-US" altLang="zh-TW" b="0" i="0" dirty="0">
+                <a:effectLst/>
+                <a:latin typeface="LatoWeb"/>
+              </a:rPr>
+              <a:t>7</a:t>
+            </a:r>
+            <a:r>
+              <a:rPr lang="zh-TW" altLang="en-US" b="0" i="0" dirty="0">
+                <a:effectLst/>
+                <a:latin typeface="LatoWeb"/>
+              </a:rPr>
+              <a:t>天全天候為您服務，並且優先支援商業版帳戶。</a:t>
+            </a:r>
+            <a:endParaRPr lang="zh-TW" altLang="en-US" dirty="0"/>
+          </a:p>
+        </p:txBody>
+      </p:sp>
       <p:pic>
         <p:nvPicPr>
-          <p:cNvPr id="11" name="圖片 10">
+          <p:cNvPr id="5" name="圖片 4">
             <a:extLst>
               <a:ext uri="{FF2B5EF4-FFF2-40B4-BE49-F238E27FC236}">
-                <a16:creationId xmlns:a16="http://schemas.microsoft.com/office/drawing/2014/main" id="{E9C31CAA-0F96-C444-2ECC-D2EDD422670D}"/>
+                <a16:creationId xmlns:a16="http://schemas.microsoft.com/office/drawing/2014/main" id="{251156C4-C2FF-2730-9231-8B2031960A72}"/>
               </a:ext>
             </a:extLst>
           </p:cNvPr>
@@ -6633,15 +6501,15 @@
           <p:nvPr/>
         </p:nvPicPr>
         <p:blipFill>
-          <a:blip r:embed="rId3"/>
+          <a:blip r:embed="rId2"/>
           <a:stretch>
             <a:fillRect/>
           </a:stretch>
         </p:blipFill>
         <p:spPr>
           <a:xfrm>
-            <a:off x="7509610" y="1034315"/>
-            <a:ext cx="4153883" cy="5567192"/>
+            <a:off x="5656715" y="2142067"/>
+            <a:ext cx="5550978" cy="3758977"/>
           </a:xfrm>
           <a:prstGeom prst="rect">
             <a:avLst/>
@@ -6651,7 +6519,7 @@
     </p:spTree>
     <p:extLst>
       <p:ext uri="{BB962C8B-B14F-4D97-AF65-F5344CB8AC3E}">
-        <p14:creationId xmlns:p14="http://schemas.microsoft.com/office/powerpoint/2010/main" val="1629713634"/>
+        <p14:creationId xmlns:p14="http://schemas.microsoft.com/office/powerpoint/2010/main" val="4172673542"/>
       </p:ext>
     </p:extLst>
   </p:cSld>
@@ -6683,7 +6551,7 @@
           <p:cNvPr id="2" name="標題 1">
             <a:extLst>
               <a:ext uri="{FF2B5EF4-FFF2-40B4-BE49-F238E27FC236}">
-                <a16:creationId xmlns:a16="http://schemas.microsoft.com/office/drawing/2014/main" id="{A905878B-29F7-C7F8-93C1-0B4EC231C20E}"/>
+                <a16:creationId xmlns:a16="http://schemas.microsoft.com/office/drawing/2014/main" id="{09AEC0D0-C563-FAC5-15E6-A741B8461E89}"/>
               </a:ext>
             </a:extLst>
           </p:cNvPr>
@@ -6700,47 +6568,142 @@
           <a:lstStyle/>
           <a:p>
             <a:r>
-              <a:rPr lang="zh-TW" altLang="en-US" dirty="0"/>
-              <a:t>事件表</a:t>
-            </a:r>
-          </a:p>
-        </p:txBody>
-      </p:sp>
-      <p:pic>
-        <p:nvPicPr>
-          <p:cNvPr id="5" name="內容版面配置區 4">
+              <a:rPr lang="zh-TW" altLang="en-US" b="0" i="0" dirty="0">
+                <a:effectLst/>
+                <a:latin typeface="montserrat_light"/>
+              </a:rPr>
+              <a:t>比較</a:t>
+            </a:r>
+            <a:r>
+              <a:rPr lang="en-US" altLang="zh-TW" b="0" i="0" dirty="0">
+                <a:effectLst/>
+                <a:latin typeface="montserrat_light"/>
+              </a:rPr>
+              <a:t>MEGA</a:t>
+            </a:r>
+            <a:r>
+              <a:rPr lang="zh-TW" altLang="en-US" b="0" i="0" dirty="0">
+                <a:effectLst/>
+                <a:latin typeface="montserrat_light"/>
+              </a:rPr>
+              <a:t>與</a:t>
+            </a:r>
+            <a:r>
+              <a:rPr lang="en-US" altLang="zh-TW" b="0" i="0" dirty="0">
+                <a:effectLst/>
+                <a:latin typeface="montserrat_light"/>
+              </a:rPr>
+              <a:t>Google</a:t>
+            </a:r>
+            <a:endParaRPr lang="zh-TW" altLang="en-US" dirty="0"/>
+          </a:p>
+        </p:txBody>
+      </p:sp>
+      <p:sp>
+        <p:nvSpPr>
+          <p:cNvPr id="3" name="內容版面配置區 2">
             <a:extLst>
               <a:ext uri="{FF2B5EF4-FFF2-40B4-BE49-F238E27FC236}">
-                <a16:creationId xmlns:a16="http://schemas.microsoft.com/office/drawing/2014/main" id="{42BACA99-6011-2B3E-C261-0AEEC3CF4F01}"/>
+                <a16:creationId xmlns:a16="http://schemas.microsoft.com/office/drawing/2014/main" id="{449E3C4C-6874-69E9-880A-91EC9E3BAF42}"/>
               </a:ext>
             </a:extLst>
           </p:cNvPr>
-          <p:cNvPicPr>
-            <a:picLocks noGrp="1" noChangeAspect="1"/>
-          </p:cNvPicPr>
+          <p:cNvSpPr>
+            <a:spLocks noGrp="1"/>
+          </p:cNvSpPr>
           <p:nvPr>
             <p:ph idx="1"/>
           </p:nvPr>
-        </p:nvPicPr>
-        <p:blipFill>
-          <a:blip r:embed="rId2"/>
-          <a:stretch>
-            <a:fillRect/>
-          </a:stretch>
-        </p:blipFill>
-        <p:spPr>
-          <a:xfrm>
-            <a:off x="3114505" y="207599"/>
-            <a:ext cx="4251633" cy="6442802"/>
-          </a:xfrm>
-        </p:spPr>
-      </p:pic>
+        </p:nvSpPr>
+        <p:spPr>
+          <a:xfrm>
+            <a:off x="685801" y="2142067"/>
+            <a:ext cx="4498595" cy="3193331"/>
+          </a:xfrm>
+        </p:spPr>
+        <p:txBody>
+          <a:bodyPr/>
+          <a:lstStyle/>
+          <a:p>
+            <a:r>
+              <a:rPr lang="en-US" altLang="zh-TW" b="0" i="0" dirty="0">
+                <a:effectLst/>
+                <a:latin typeface="LatoWeb"/>
+              </a:rPr>
+              <a:t>MEGA</a:t>
+            </a:r>
+            <a:r>
+              <a:rPr lang="zh-TW" altLang="en-US" b="0" i="0" dirty="0">
+                <a:effectLst/>
+                <a:latin typeface="LatoWeb"/>
+              </a:rPr>
+              <a:t>商業版計算方式不同。我們會針對不同用戶的儲存空間與傳輸配額做各別收費。更棒的是，我們僅會依照您的實際使用量，以每增加</a:t>
+            </a:r>
+            <a:r>
+              <a:rPr lang="en-US" altLang="zh-TW" b="0" i="0" dirty="0">
+                <a:effectLst/>
+                <a:latin typeface="LatoWeb"/>
+              </a:rPr>
+              <a:t>1 TB</a:t>
+            </a:r>
+            <a:r>
+              <a:rPr lang="zh-TW" altLang="en-US" b="0" i="0" dirty="0">
+                <a:effectLst/>
+                <a:latin typeface="LatoWeb"/>
+              </a:rPr>
+              <a:t>做增量收費。您無需為之後才會用到的大空間與流量配額預先付費。使用</a:t>
+            </a:r>
+            <a:r>
+              <a:rPr lang="en-US" altLang="zh-TW" b="0" i="0" dirty="0">
+                <a:effectLst/>
+                <a:latin typeface="LatoWeb"/>
+              </a:rPr>
+              <a:t>MEGA</a:t>
+            </a:r>
+            <a:r>
+              <a:rPr lang="zh-TW" altLang="en-US" b="0" i="0" dirty="0">
+                <a:effectLst/>
+                <a:latin typeface="LatoWeb"/>
+              </a:rPr>
+              <a:t>商業版您可以用多少付多少。</a:t>
+            </a:r>
+            <a:br>
+              <a:rPr lang="zh-TW" altLang="en-US" dirty="0"/>
+            </a:br>
+            <a:br>
+              <a:rPr lang="zh-TW" altLang="en-US" dirty="0"/>
+            </a:br>
+            <a:r>
+              <a:rPr lang="zh-TW" altLang="en-US" b="0" i="0" dirty="0">
+                <a:effectLst/>
+                <a:latin typeface="LatoWeb"/>
+              </a:rPr>
+              <a:t>試試</a:t>
+            </a:r>
+            <a:r>
+              <a:rPr lang="en-US" altLang="zh-TW" b="0" i="0" dirty="0">
+                <a:effectLst/>
+                <a:latin typeface="LatoWeb"/>
+              </a:rPr>
+              <a:t>MEGA</a:t>
+            </a:r>
+            <a:r>
+              <a:rPr lang="zh-TW" altLang="en-US" b="0" i="0" dirty="0">
+                <a:effectLst/>
+                <a:latin typeface="LatoWeb"/>
+              </a:rPr>
+              <a:t>的費用比較工具來看看您可以節省多少費用。</a:t>
+            </a:r>
+            <a:endParaRPr lang="zh-TW" altLang="en-US" dirty="0"/>
+          </a:p>
+        </p:txBody>
+      </p:sp>
       <p:pic>
         <p:nvPicPr>
           <p:cNvPr id="7" name="圖片 6">
             <a:extLst>
               <a:ext uri="{FF2B5EF4-FFF2-40B4-BE49-F238E27FC236}">
-                <a16:creationId xmlns:a16="http://schemas.microsoft.com/office/drawing/2014/main" id="{DE2B397E-1371-0E38-7A17-84B813B7139C}"/>
+                <a16:creationId xmlns:a16="http://schemas.microsoft.com/office/drawing/2014/main" id="{0BD7C7FB-548C-2B8B-9F6C-7E3944DE2903}"/>
               </a:ext>
             </a:extLst>
           </p:cNvPr>
@@ -6749,16 +6712,15 @@
           </p:cNvPicPr>
           <p:nvPr/>
         </p:nvPicPr>
-        <p:blipFill>
-          <a:blip r:embed="rId3"/>
-          <a:stretch>
-            <a:fillRect/>
-          </a:stretch>
+        <p:blipFill rotWithShape="1">
+          <a:blip r:embed="rId2"/>
+          <a:srcRect l="5701" t="7594" r="2425"/>
+          <a:stretch/>
         </p:blipFill>
         <p:spPr>
           <a:xfrm>
-            <a:off x="7523523" y="207599"/>
-            <a:ext cx="4251634" cy="6442802"/>
+            <a:off x="5751513" y="1375794"/>
+            <a:ext cx="4687549" cy="4529977"/>
           </a:xfrm>
           <a:prstGeom prst="rect">
             <a:avLst/>
@@ -6768,7 +6730,7 @@
     </p:spTree>
     <p:extLst>
       <p:ext uri="{BB962C8B-B14F-4D97-AF65-F5344CB8AC3E}">
-        <p14:creationId xmlns:p14="http://schemas.microsoft.com/office/powerpoint/2010/main" val="4048918080"/>
+        <p14:creationId xmlns:p14="http://schemas.microsoft.com/office/powerpoint/2010/main" val="3325800087"/>
       </p:ext>
     </p:extLst>
   </p:cSld>
@@ -6800,7 +6762,7 @@
           <p:cNvPr id="2" name="標題 1">
             <a:extLst>
               <a:ext uri="{FF2B5EF4-FFF2-40B4-BE49-F238E27FC236}">
-                <a16:creationId xmlns:a16="http://schemas.microsoft.com/office/drawing/2014/main" id="{32391644-C5A0-A6B9-149B-11671AD42BE2}"/>
+                <a16:creationId xmlns:a16="http://schemas.microsoft.com/office/drawing/2014/main" id="{3D9C1DCA-42E1-5F55-2DD7-410ABE9761DB}"/>
               </a:ext>
             </a:extLst>
           </p:cNvPr>
@@ -6813,145 +6775,32 @@
         </p:nvSpPr>
         <p:spPr>
           <a:xfrm>
-            <a:off x="609895" y="0"/>
+            <a:off x="1030287" y="2700866"/>
             <a:ext cx="10131425" cy="1456267"/>
           </a:xfrm>
         </p:spPr>
         <p:txBody>
-          <a:bodyPr/>
-          <a:lstStyle/>
-          <a:p>
-            <a:r>
-              <a:rPr lang="zh-TW" altLang="en-US" dirty="0"/>
-              <a:t>使用案例</a:t>
-            </a:r>
-          </a:p>
-        </p:txBody>
-      </p:sp>
-      <p:pic>
-        <p:nvPicPr>
-          <p:cNvPr id="5" name="圖片 4">
-            <a:extLst>
-              <a:ext uri="{FF2B5EF4-FFF2-40B4-BE49-F238E27FC236}">
-                <a16:creationId xmlns:a16="http://schemas.microsoft.com/office/drawing/2014/main" id="{ADCB391A-326C-0660-A058-CEB60679E7AC}"/>
-              </a:ext>
-            </a:extLst>
-          </p:cNvPr>
-          <p:cNvPicPr>
-            <a:picLocks noChangeAspect="1"/>
-          </p:cNvPicPr>
-          <p:nvPr/>
-        </p:nvPicPr>
-        <p:blipFill>
-          <a:blip r:embed="rId2"/>
-          <a:stretch>
-            <a:fillRect/>
-          </a:stretch>
-        </p:blipFill>
-        <p:spPr>
-          <a:xfrm>
-            <a:off x="101231" y="1109122"/>
-            <a:ext cx="5867485" cy="3209181"/>
-          </a:xfrm>
-          <a:prstGeom prst="rect">
-            <a:avLst/>
-          </a:prstGeom>
-        </p:spPr>
-      </p:pic>
-      <p:pic>
-        <p:nvPicPr>
-          <p:cNvPr id="7" name="圖片 6">
-            <a:extLst>
-              <a:ext uri="{FF2B5EF4-FFF2-40B4-BE49-F238E27FC236}">
-                <a16:creationId xmlns:a16="http://schemas.microsoft.com/office/drawing/2014/main" id="{8B2D4FBC-3F43-2677-53AB-AF879598DB3B}"/>
-              </a:ext>
-            </a:extLst>
-          </p:cNvPr>
-          <p:cNvPicPr>
-            <a:picLocks noChangeAspect="1"/>
-          </p:cNvPicPr>
-          <p:nvPr/>
-        </p:nvPicPr>
-        <p:blipFill>
-          <a:blip r:embed="rId3"/>
-          <a:stretch>
-            <a:fillRect/>
-          </a:stretch>
-        </p:blipFill>
-        <p:spPr>
-          <a:xfrm>
-            <a:off x="6096000" y="1250044"/>
-            <a:ext cx="5867485" cy="3068259"/>
-          </a:xfrm>
-          <a:prstGeom prst="rect">
-            <a:avLst/>
-          </a:prstGeom>
-        </p:spPr>
-      </p:pic>
-      <p:pic>
-        <p:nvPicPr>
-          <p:cNvPr id="9" name="圖片 8">
-            <a:extLst>
-              <a:ext uri="{FF2B5EF4-FFF2-40B4-BE49-F238E27FC236}">
-                <a16:creationId xmlns:a16="http://schemas.microsoft.com/office/drawing/2014/main" id="{828784DA-C393-FAB6-5226-1009B2718EF6}"/>
-              </a:ext>
-            </a:extLst>
-          </p:cNvPr>
-          <p:cNvPicPr>
-            <a:picLocks noChangeAspect="1"/>
-          </p:cNvPicPr>
-          <p:nvPr/>
-        </p:nvPicPr>
-        <p:blipFill>
-          <a:blip r:embed="rId4"/>
-          <a:stretch>
-            <a:fillRect/>
-          </a:stretch>
-        </p:blipFill>
-        <p:spPr>
-          <a:xfrm>
-            <a:off x="101230" y="4397698"/>
-            <a:ext cx="5867485" cy="2389270"/>
-          </a:xfrm>
-          <a:prstGeom prst="rect">
-            <a:avLst/>
-          </a:prstGeom>
-        </p:spPr>
-      </p:pic>
-      <p:pic>
-        <p:nvPicPr>
-          <p:cNvPr id="11" name="圖片 10">
-            <a:extLst>
-              <a:ext uri="{FF2B5EF4-FFF2-40B4-BE49-F238E27FC236}">
-                <a16:creationId xmlns:a16="http://schemas.microsoft.com/office/drawing/2014/main" id="{0355FF74-79DB-FC6B-3804-19872442DED2}"/>
-              </a:ext>
-            </a:extLst>
-          </p:cNvPr>
-          <p:cNvPicPr>
-            <a:picLocks noChangeAspect="1"/>
-          </p:cNvPicPr>
-          <p:nvPr/>
-        </p:nvPicPr>
-        <p:blipFill>
-          <a:blip r:embed="rId5"/>
-          <a:stretch>
-            <a:fillRect/>
-          </a:stretch>
-        </p:blipFill>
-        <p:spPr>
-          <a:xfrm>
-            <a:off x="6096000" y="4397698"/>
-            <a:ext cx="5007429" cy="2409955"/>
-          </a:xfrm>
-          <a:prstGeom prst="rect">
-            <a:avLst/>
-          </a:prstGeom>
-        </p:spPr>
-      </p:pic>
+          <a:bodyPr>
+            <a:normAutofit/>
+          </a:bodyPr>
+          <a:lstStyle/>
+          <a:p>
+            <a:pPr algn="ctr"/>
+            <a:r>
+              <a:rPr lang="en-US" altLang="zh-TW" sz="5400" dirty="0"/>
+              <a:t>MEGA</a:t>
+            </a:r>
+            <a:r>
+              <a:rPr lang="zh-TW" altLang="en-US" sz="5400" dirty="0"/>
+              <a:t>系統分析表</a:t>
+            </a:r>
+          </a:p>
+        </p:txBody>
+      </p:sp>
     </p:spTree>
     <p:extLst>
       <p:ext uri="{BB962C8B-B14F-4D97-AF65-F5344CB8AC3E}">
-        <p14:creationId xmlns:p14="http://schemas.microsoft.com/office/powerpoint/2010/main" val="296746779"/>
+        <p14:creationId xmlns:p14="http://schemas.microsoft.com/office/powerpoint/2010/main" val="3402226173"/>
       </p:ext>
     </p:extLst>
   </p:cSld>
@@ -6983,7 +6832,7 @@
           <p:cNvPr id="2" name="標題 1">
             <a:extLst>
               <a:ext uri="{FF2B5EF4-FFF2-40B4-BE49-F238E27FC236}">
-                <a16:creationId xmlns:a16="http://schemas.microsoft.com/office/drawing/2014/main" id="{A5527870-F199-4E2B-7A2E-5C6839CF2A46}"/>
+                <a16:creationId xmlns:a16="http://schemas.microsoft.com/office/drawing/2014/main" id="{A7EF15FB-ECE1-A445-34D4-F9FF7B72B547}"/>
               </a:ext>
             </a:extLst>
           </p:cNvPr>
@@ -6994,36 +6843,33 @@
             <p:ph type="title"/>
           </p:nvPr>
         </p:nvSpPr>
-        <p:spPr>
-          <a:xfrm>
-            <a:off x="587829" y="0"/>
-            <a:ext cx="10131425" cy="1456267"/>
-          </a:xfrm>
-        </p:spPr>
+        <p:spPr/>
         <p:txBody>
           <a:bodyPr/>
           <a:lstStyle/>
           <a:p>
             <a:r>
               <a:rPr lang="zh-TW" altLang="en-US" dirty="0"/>
-              <a:t>使用案例</a:t>
+              <a:t>利害關係人</a:t>
             </a:r>
           </a:p>
         </p:txBody>
       </p:sp>
       <p:pic>
         <p:nvPicPr>
-          <p:cNvPr id="4" name="圖片 3">
+          <p:cNvPr id="9" name="內容版面配置區 8">
             <a:extLst>
               <a:ext uri="{FF2B5EF4-FFF2-40B4-BE49-F238E27FC236}">
-                <a16:creationId xmlns:a16="http://schemas.microsoft.com/office/drawing/2014/main" id="{7FFAE723-3619-C0AE-B693-1847B48DF5C6}"/>
+                <a16:creationId xmlns:a16="http://schemas.microsoft.com/office/drawing/2014/main" id="{F8198BFD-AC9A-B4C1-DC5B-5C1CB9554125}"/>
               </a:ext>
             </a:extLst>
           </p:cNvPr>
           <p:cNvPicPr>
-            <a:picLocks noChangeAspect="1"/>
+            <a:picLocks noGrp="1" noChangeAspect="1"/>
           </p:cNvPicPr>
-          <p:nvPr/>
+          <p:nvPr>
+            <p:ph idx="1"/>
+          </p:nvPr>
         </p:nvPicPr>
         <p:blipFill>
           <a:blip r:embed="rId2"/>
@@ -7033,20 +6879,17 @@
         </p:blipFill>
         <p:spPr>
           <a:xfrm>
-            <a:off x="5653540" y="3978221"/>
-            <a:ext cx="6143301" cy="2694430"/>
-          </a:xfrm>
-          <a:prstGeom prst="rect">
-            <a:avLst/>
-          </a:prstGeom>
+            <a:off x="3229955" y="1034315"/>
+            <a:ext cx="4153883" cy="5567192"/>
+          </a:xfrm>
         </p:spPr>
       </p:pic>
       <p:pic>
         <p:nvPicPr>
-          <p:cNvPr id="5" name="圖片 4">
+          <p:cNvPr id="11" name="圖片 10">
             <a:extLst>
               <a:ext uri="{FF2B5EF4-FFF2-40B4-BE49-F238E27FC236}">
-                <a16:creationId xmlns:a16="http://schemas.microsoft.com/office/drawing/2014/main" id="{91D49320-EFB5-9BBD-1E3F-03B63ED0DB32}"/>
+                <a16:creationId xmlns:a16="http://schemas.microsoft.com/office/drawing/2014/main" id="{E9C31CAA-0F96-C444-2ECC-D2EDD422670D}"/>
               </a:ext>
             </a:extLst>
           </p:cNvPr>
@@ -7063,38 +6906,8 @@
         </p:blipFill>
         <p:spPr>
           <a:xfrm>
-            <a:off x="5653539" y="989390"/>
-            <a:ext cx="6143301" cy="2700867"/>
-          </a:xfrm>
-          <a:prstGeom prst="rect">
-            <a:avLst/>
-          </a:prstGeom>
-        </p:spPr>
-      </p:pic>
-      <p:pic>
-        <p:nvPicPr>
-          <p:cNvPr id="6" name="圖片 5">
-            <a:extLst>
-              <a:ext uri="{FF2B5EF4-FFF2-40B4-BE49-F238E27FC236}">
-                <a16:creationId xmlns:a16="http://schemas.microsoft.com/office/drawing/2014/main" id="{629924E9-AB8B-D3F4-B130-82A9A202803E}"/>
-              </a:ext>
-            </a:extLst>
-          </p:cNvPr>
-          <p:cNvPicPr>
-            <a:picLocks noChangeAspect="1"/>
-          </p:cNvPicPr>
-          <p:nvPr/>
-        </p:nvPicPr>
-        <p:blipFill>
-          <a:blip r:embed="rId4"/>
-          <a:stretch>
-            <a:fillRect/>
-          </a:stretch>
-        </p:blipFill>
-        <p:spPr>
-          <a:xfrm>
-            <a:off x="587829" y="2612572"/>
-            <a:ext cx="4847512" cy="4060080"/>
+            <a:off x="7509610" y="1034315"/>
+            <a:ext cx="4153883" cy="5567192"/>
           </a:xfrm>
           <a:prstGeom prst="rect">
             <a:avLst/>
@@ -7104,7 +6917,7 @@
     </p:spTree>
     <p:extLst>
       <p:ext uri="{BB962C8B-B14F-4D97-AF65-F5344CB8AC3E}">
-        <p14:creationId xmlns:p14="http://schemas.microsoft.com/office/powerpoint/2010/main" val="1172298673"/>
+        <p14:creationId xmlns:p14="http://schemas.microsoft.com/office/powerpoint/2010/main" val="1629713634"/>
       </p:ext>
     </p:extLst>
   </p:cSld>
@@ -7136,7 +6949,7 @@
           <p:cNvPr id="2" name="標題 1">
             <a:extLst>
               <a:ext uri="{FF2B5EF4-FFF2-40B4-BE49-F238E27FC236}">
-                <a16:creationId xmlns:a16="http://schemas.microsoft.com/office/drawing/2014/main" id="{3D9C1DCA-42E1-5F55-2DD7-410ABE9761DB}"/>
+                <a16:creationId xmlns:a16="http://schemas.microsoft.com/office/drawing/2014/main" id="{A905878B-29F7-C7F8-93C1-0B4EC231C20E}"/>
               </a:ext>
             </a:extLst>
           </p:cNvPr>
@@ -7147,34 +6960,81 @@
             <p:ph type="title"/>
           </p:nvPr>
         </p:nvSpPr>
-        <p:spPr>
-          <a:xfrm>
-            <a:off x="1030287" y="2700866"/>
-            <a:ext cx="10131425" cy="1456267"/>
-          </a:xfrm>
-        </p:spPr>
-        <p:txBody>
-          <a:bodyPr>
-            <a:normAutofit/>
-          </a:bodyPr>
-          <a:lstStyle/>
-          <a:p>
-            <a:pPr algn="ctr"/>
-            <a:r>
-              <a:rPr lang="en-US" altLang="zh-TW" sz="5400" dirty="0"/>
-              <a:t>MEGA</a:t>
-            </a:r>
-            <a:r>
-              <a:rPr lang="zh-TW" altLang="en-US" sz="5400" dirty="0"/>
-              <a:t>系統分析圖</a:t>
-            </a:r>
-          </a:p>
-        </p:txBody>
-      </p:sp>
+        <p:spPr/>
+        <p:txBody>
+          <a:bodyPr/>
+          <a:lstStyle/>
+          <a:p>
+            <a:r>
+              <a:rPr lang="zh-TW" altLang="en-US" dirty="0"/>
+              <a:t>事件表</a:t>
+            </a:r>
+          </a:p>
+        </p:txBody>
+      </p:sp>
+      <p:pic>
+        <p:nvPicPr>
+          <p:cNvPr id="5" name="內容版面配置區 4">
+            <a:extLst>
+              <a:ext uri="{FF2B5EF4-FFF2-40B4-BE49-F238E27FC236}">
+                <a16:creationId xmlns:a16="http://schemas.microsoft.com/office/drawing/2014/main" id="{42BACA99-6011-2B3E-C261-0AEEC3CF4F01}"/>
+              </a:ext>
+            </a:extLst>
+          </p:cNvPr>
+          <p:cNvPicPr>
+            <a:picLocks noGrp="1" noChangeAspect="1"/>
+          </p:cNvPicPr>
+          <p:nvPr>
+            <p:ph idx="1"/>
+          </p:nvPr>
+        </p:nvPicPr>
+        <p:blipFill>
+          <a:blip r:embed="rId2"/>
+          <a:stretch>
+            <a:fillRect/>
+          </a:stretch>
+        </p:blipFill>
+        <p:spPr>
+          <a:xfrm>
+            <a:off x="3114505" y="207599"/>
+            <a:ext cx="4251633" cy="6442802"/>
+          </a:xfrm>
+        </p:spPr>
+      </p:pic>
+      <p:pic>
+        <p:nvPicPr>
+          <p:cNvPr id="7" name="圖片 6">
+            <a:extLst>
+              <a:ext uri="{FF2B5EF4-FFF2-40B4-BE49-F238E27FC236}">
+                <a16:creationId xmlns:a16="http://schemas.microsoft.com/office/drawing/2014/main" id="{DE2B397E-1371-0E38-7A17-84B813B7139C}"/>
+              </a:ext>
+            </a:extLst>
+          </p:cNvPr>
+          <p:cNvPicPr>
+            <a:picLocks noChangeAspect="1"/>
+          </p:cNvPicPr>
+          <p:nvPr/>
+        </p:nvPicPr>
+        <p:blipFill>
+          <a:blip r:embed="rId3"/>
+          <a:stretch>
+            <a:fillRect/>
+          </a:stretch>
+        </p:blipFill>
+        <p:spPr>
+          <a:xfrm>
+            <a:off x="7523523" y="207599"/>
+            <a:ext cx="4251634" cy="6442802"/>
+          </a:xfrm>
+          <a:prstGeom prst="rect">
+            <a:avLst/>
+          </a:prstGeom>
+        </p:spPr>
+      </p:pic>
     </p:spTree>
     <p:extLst>
       <p:ext uri="{BB962C8B-B14F-4D97-AF65-F5344CB8AC3E}">
-        <p14:creationId xmlns:p14="http://schemas.microsoft.com/office/powerpoint/2010/main" val="1268625077"/>
+        <p14:creationId xmlns:p14="http://schemas.microsoft.com/office/powerpoint/2010/main" val="4048918080"/>
       </p:ext>
     </p:extLst>
   </p:cSld>
@@ -7206,7 +7066,7 @@
           <p:cNvPr id="2" name="標題 1">
             <a:extLst>
               <a:ext uri="{FF2B5EF4-FFF2-40B4-BE49-F238E27FC236}">
-                <a16:creationId xmlns:a16="http://schemas.microsoft.com/office/drawing/2014/main" id="{DBFBE940-EFF6-ADCF-B3AE-20E21BAB8416}"/>
+                <a16:creationId xmlns:a16="http://schemas.microsoft.com/office/drawing/2014/main" id="{32391644-C5A0-A6B9-149B-11671AD42BE2}"/>
               </a:ext>
             </a:extLst>
           </p:cNvPr>
@@ -7219,8 +7079,8 @@
         </p:nvSpPr>
         <p:spPr>
           <a:xfrm>
-            <a:off x="209004" y="348040"/>
-            <a:ext cx="10131425" cy="814251"/>
+            <a:off x="609895" y="0"/>
+            <a:ext cx="10131425" cy="1456267"/>
           </a:xfrm>
         </p:spPr>
         <p:txBody>
@@ -7229,27 +7089,24 @@
           <a:p>
             <a:r>
               <a:rPr lang="zh-TW" altLang="en-US" dirty="0"/>
-              <a:t>使用案例圖</a:t>
-            </a:r>
-            <a:endParaRPr lang="zh-CN" altLang="en-US" dirty="0"/>
+              <a:t>使用案例</a:t>
+            </a:r>
           </a:p>
         </p:txBody>
       </p:sp>
       <p:pic>
         <p:nvPicPr>
-          <p:cNvPr id="9" name="內容版面配置區 8">
+          <p:cNvPr id="5" name="圖片 4">
             <a:extLst>
               <a:ext uri="{FF2B5EF4-FFF2-40B4-BE49-F238E27FC236}">
-                <a16:creationId xmlns:a16="http://schemas.microsoft.com/office/drawing/2014/main" id="{64D4FF35-A76D-63EC-81FD-F3C29EF37D5B}"/>
+                <a16:creationId xmlns:a16="http://schemas.microsoft.com/office/drawing/2014/main" id="{ADCB391A-326C-0660-A058-CEB60679E7AC}"/>
               </a:ext>
             </a:extLst>
           </p:cNvPr>
           <p:cNvPicPr>
-            <a:picLocks noGrp="1" noChangeAspect="1"/>
+            <a:picLocks noChangeAspect="1"/>
           </p:cNvPicPr>
-          <p:nvPr>
-            <p:ph idx="1"/>
-          </p:nvPr>
+          <p:nvPr/>
         </p:nvPicPr>
         <p:blipFill>
           <a:blip r:embed="rId2"/>
@@ -7259,15 +7116,108 @@
         </p:blipFill>
         <p:spPr>
           <a:xfrm>
-            <a:off x="2967779" y="348039"/>
-            <a:ext cx="8971827" cy="6026635"/>
-          </a:xfrm>
+            <a:off x="101231" y="1109122"/>
+            <a:ext cx="5867485" cy="3209181"/>
+          </a:xfrm>
+          <a:prstGeom prst="rect">
+            <a:avLst/>
+          </a:prstGeom>
+        </p:spPr>
+      </p:pic>
+      <p:pic>
+        <p:nvPicPr>
+          <p:cNvPr id="7" name="圖片 6">
+            <a:extLst>
+              <a:ext uri="{FF2B5EF4-FFF2-40B4-BE49-F238E27FC236}">
+                <a16:creationId xmlns:a16="http://schemas.microsoft.com/office/drawing/2014/main" id="{8B2D4FBC-3F43-2677-53AB-AF879598DB3B}"/>
+              </a:ext>
+            </a:extLst>
+          </p:cNvPr>
+          <p:cNvPicPr>
+            <a:picLocks noChangeAspect="1"/>
+          </p:cNvPicPr>
+          <p:nvPr/>
+        </p:nvPicPr>
+        <p:blipFill>
+          <a:blip r:embed="rId3"/>
+          <a:stretch>
+            <a:fillRect/>
+          </a:stretch>
+        </p:blipFill>
+        <p:spPr>
+          <a:xfrm>
+            <a:off x="6096000" y="1250044"/>
+            <a:ext cx="5867485" cy="3068259"/>
+          </a:xfrm>
+          <a:prstGeom prst="rect">
+            <a:avLst/>
+          </a:prstGeom>
+        </p:spPr>
+      </p:pic>
+      <p:pic>
+        <p:nvPicPr>
+          <p:cNvPr id="9" name="圖片 8">
+            <a:extLst>
+              <a:ext uri="{FF2B5EF4-FFF2-40B4-BE49-F238E27FC236}">
+                <a16:creationId xmlns:a16="http://schemas.microsoft.com/office/drawing/2014/main" id="{828784DA-C393-FAB6-5226-1009B2718EF6}"/>
+              </a:ext>
+            </a:extLst>
+          </p:cNvPr>
+          <p:cNvPicPr>
+            <a:picLocks noChangeAspect="1"/>
+          </p:cNvPicPr>
+          <p:nvPr/>
+        </p:nvPicPr>
+        <p:blipFill>
+          <a:blip r:embed="rId4"/>
+          <a:stretch>
+            <a:fillRect/>
+          </a:stretch>
+        </p:blipFill>
+        <p:spPr>
+          <a:xfrm>
+            <a:off x="101230" y="4397698"/>
+            <a:ext cx="5867485" cy="2389270"/>
+          </a:xfrm>
+          <a:prstGeom prst="rect">
+            <a:avLst/>
+          </a:prstGeom>
+        </p:spPr>
+      </p:pic>
+      <p:pic>
+        <p:nvPicPr>
+          <p:cNvPr id="11" name="圖片 10">
+            <a:extLst>
+              <a:ext uri="{FF2B5EF4-FFF2-40B4-BE49-F238E27FC236}">
+                <a16:creationId xmlns:a16="http://schemas.microsoft.com/office/drawing/2014/main" id="{0355FF74-79DB-FC6B-3804-19872442DED2}"/>
+              </a:ext>
+            </a:extLst>
+          </p:cNvPr>
+          <p:cNvPicPr>
+            <a:picLocks noChangeAspect="1"/>
+          </p:cNvPicPr>
+          <p:nvPr/>
+        </p:nvPicPr>
+        <p:blipFill>
+          <a:blip r:embed="rId5"/>
+          <a:stretch>
+            <a:fillRect/>
+          </a:stretch>
+        </p:blipFill>
+        <p:spPr>
+          <a:xfrm>
+            <a:off x="6096000" y="4397698"/>
+            <a:ext cx="5007429" cy="2409955"/>
+          </a:xfrm>
+          <a:prstGeom prst="rect">
+            <a:avLst/>
+          </a:prstGeom>
         </p:spPr>
       </p:pic>
     </p:spTree>
     <p:extLst>
       <p:ext uri="{BB962C8B-B14F-4D97-AF65-F5344CB8AC3E}">
-        <p14:creationId xmlns:p14="http://schemas.microsoft.com/office/powerpoint/2010/main" val="282531963"/>
+        <p14:creationId xmlns:p14="http://schemas.microsoft.com/office/powerpoint/2010/main" val="296746779"/>
       </p:ext>
     </p:extLst>
   </p:cSld>
@@ -7488,6 +7438,322 @@
           <p:cNvPr id="2" name="標題 1">
             <a:extLst>
               <a:ext uri="{FF2B5EF4-FFF2-40B4-BE49-F238E27FC236}">
+                <a16:creationId xmlns:a16="http://schemas.microsoft.com/office/drawing/2014/main" id="{A5527870-F199-4E2B-7A2E-5C6839CF2A46}"/>
+              </a:ext>
+            </a:extLst>
+          </p:cNvPr>
+          <p:cNvSpPr>
+            <a:spLocks noGrp="1"/>
+          </p:cNvSpPr>
+          <p:nvPr>
+            <p:ph type="title"/>
+          </p:nvPr>
+        </p:nvSpPr>
+        <p:spPr>
+          <a:xfrm>
+            <a:off x="587829" y="0"/>
+            <a:ext cx="10131425" cy="1456267"/>
+          </a:xfrm>
+        </p:spPr>
+        <p:txBody>
+          <a:bodyPr/>
+          <a:lstStyle/>
+          <a:p>
+            <a:r>
+              <a:rPr lang="zh-TW" altLang="en-US" dirty="0"/>
+              <a:t>使用案例</a:t>
+            </a:r>
+          </a:p>
+        </p:txBody>
+      </p:sp>
+      <p:pic>
+        <p:nvPicPr>
+          <p:cNvPr id="4" name="圖片 3">
+            <a:extLst>
+              <a:ext uri="{FF2B5EF4-FFF2-40B4-BE49-F238E27FC236}">
+                <a16:creationId xmlns:a16="http://schemas.microsoft.com/office/drawing/2014/main" id="{7FFAE723-3619-C0AE-B693-1847B48DF5C6}"/>
+              </a:ext>
+            </a:extLst>
+          </p:cNvPr>
+          <p:cNvPicPr>
+            <a:picLocks noChangeAspect="1"/>
+          </p:cNvPicPr>
+          <p:nvPr/>
+        </p:nvPicPr>
+        <p:blipFill>
+          <a:blip r:embed="rId2"/>
+          <a:stretch>
+            <a:fillRect/>
+          </a:stretch>
+        </p:blipFill>
+        <p:spPr>
+          <a:xfrm>
+            <a:off x="5653540" y="3978221"/>
+            <a:ext cx="6143301" cy="2694430"/>
+          </a:xfrm>
+          <a:prstGeom prst="rect">
+            <a:avLst/>
+          </a:prstGeom>
+        </p:spPr>
+      </p:pic>
+      <p:pic>
+        <p:nvPicPr>
+          <p:cNvPr id="5" name="圖片 4">
+            <a:extLst>
+              <a:ext uri="{FF2B5EF4-FFF2-40B4-BE49-F238E27FC236}">
+                <a16:creationId xmlns:a16="http://schemas.microsoft.com/office/drawing/2014/main" id="{91D49320-EFB5-9BBD-1E3F-03B63ED0DB32}"/>
+              </a:ext>
+            </a:extLst>
+          </p:cNvPr>
+          <p:cNvPicPr>
+            <a:picLocks noChangeAspect="1"/>
+          </p:cNvPicPr>
+          <p:nvPr/>
+        </p:nvPicPr>
+        <p:blipFill>
+          <a:blip r:embed="rId3"/>
+          <a:stretch>
+            <a:fillRect/>
+          </a:stretch>
+        </p:blipFill>
+        <p:spPr>
+          <a:xfrm>
+            <a:off x="5653539" y="989390"/>
+            <a:ext cx="6143301" cy="2700867"/>
+          </a:xfrm>
+          <a:prstGeom prst="rect">
+            <a:avLst/>
+          </a:prstGeom>
+        </p:spPr>
+      </p:pic>
+      <p:pic>
+        <p:nvPicPr>
+          <p:cNvPr id="6" name="圖片 5">
+            <a:extLst>
+              <a:ext uri="{FF2B5EF4-FFF2-40B4-BE49-F238E27FC236}">
+                <a16:creationId xmlns:a16="http://schemas.microsoft.com/office/drawing/2014/main" id="{629924E9-AB8B-D3F4-B130-82A9A202803E}"/>
+              </a:ext>
+            </a:extLst>
+          </p:cNvPr>
+          <p:cNvPicPr>
+            <a:picLocks noChangeAspect="1"/>
+          </p:cNvPicPr>
+          <p:nvPr/>
+        </p:nvPicPr>
+        <p:blipFill>
+          <a:blip r:embed="rId4"/>
+          <a:stretch>
+            <a:fillRect/>
+          </a:stretch>
+        </p:blipFill>
+        <p:spPr>
+          <a:xfrm>
+            <a:off x="587829" y="2612572"/>
+            <a:ext cx="4847512" cy="4060080"/>
+          </a:xfrm>
+          <a:prstGeom prst="rect">
+            <a:avLst/>
+          </a:prstGeom>
+        </p:spPr>
+      </p:pic>
+    </p:spTree>
+    <p:extLst>
+      <p:ext uri="{BB962C8B-B14F-4D97-AF65-F5344CB8AC3E}">
+        <p14:creationId xmlns:p14="http://schemas.microsoft.com/office/powerpoint/2010/main" val="1172298673"/>
+      </p:ext>
+    </p:extLst>
+  </p:cSld>
+  <p:clrMapOvr>
+    <a:masterClrMapping/>
+  </p:clrMapOvr>
+</p:sld>
+</file>
+
+<file path=ppt/slides/slide21.xml><?xml version="1.0" encoding="utf-8"?>
+<p:sld xmlns:a="http://schemas.openxmlformats.org/drawingml/2006/main" xmlns:r="http://schemas.openxmlformats.org/officeDocument/2006/relationships" xmlns:p="http://schemas.openxmlformats.org/presentationml/2006/main">
+  <p:cSld>
+    <p:spTree>
+      <p:nvGrpSpPr>
+        <p:cNvPr id="1" name=""/>
+        <p:cNvGrpSpPr/>
+        <p:nvPr/>
+      </p:nvGrpSpPr>
+      <p:grpSpPr>
+        <a:xfrm>
+          <a:off x="0" y="0"/>
+          <a:ext cx="0" cy="0"/>
+          <a:chOff x="0" y="0"/>
+          <a:chExt cx="0" cy="0"/>
+        </a:xfrm>
+      </p:grpSpPr>
+      <p:sp>
+        <p:nvSpPr>
+          <p:cNvPr id="2" name="標題 1">
+            <a:extLst>
+              <a:ext uri="{FF2B5EF4-FFF2-40B4-BE49-F238E27FC236}">
+                <a16:creationId xmlns:a16="http://schemas.microsoft.com/office/drawing/2014/main" id="{3D9C1DCA-42E1-5F55-2DD7-410ABE9761DB}"/>
+              </a:ext>
+            </a:extLst>
+          </p:cNvPr>
+          <p:cNvSpPr>
+            <a:spLocks noGrp="1"/>
+          </p:cNvSpPr>
+          <p:nvPr>
+            <p:ph type="title"/>
+          </p:nvPr>
+        </p:nvSpPr>
+        <p:spPr>
+          <a:xfrm>
+            <a:off x="1030287" y="2700866"/>
+            <a:ext cx="10131425" cy="1456267"/>
+          </a:xfrm>
+        </p:spPr>
+        <p:txBody>
+          <a:bodyPr>
+            <a:normAutofit/>
+          </a:bodyPr>
+          <a:lstStyle/>
+          <a:p>
+            <a:pPr algn="ctr"/>
+            <a:r>
+              <a:rPr lang="en-US" altLang="zh-TW" sz="5400" dirty="0"/>
+              <a:t>MEGA</a:t>
+            </a:r>
+            <a:r>
+              <a:rPr lang="zh-TW" altLang="en-US" sz="5400" dirty="0"/>
+              <a:t>系統分析圖</a:t>
+            </a:r>
+          </a:p>
+        </p:txBody>
+      </p:sp>
+    </p:spTree>
+    <p:extLst>
+      <p:ext uri="{BB962C8B-B14F-4D97-AF65-F5344CB8AC3E}">
+        <p14:creationId xmlns:p14="http://schemas.microsoft.com/office/powerpoint/2010/main" val="1268625077"/>
+      </p:ext>
+    </p:extLst>
+  </p:cSld>
+  <p:clrMapOvr>
+    <a:masterClrMapping/>
+  </p:clrMapOvr>
+</p:sld>
+</file>
+
+<file path=ppt/slides/slide22.xml><?xml version="1.0" encoding="utf-8"?>
+<p:sld xmlns:a="http://schemas.openxmlformats.org/drawingml/2006/main" xmlns:r="http://schemas.openxmlformats.org/officeDocument/2006/relationships" xmlns:p="http://schemas.openxmlformats.org/presentationml/2006/main">
+  <p:cSld>
+    <p:spTree>
+      <p:nvGrpSpPr>
+        <p:cNvPr id="1" name=""/>
+        <p:cNvGrpSpPr/>
+        <p:nvPr/>
+      </p:nvGrpSpPr>
+      <p:grpSpPr>
+        <a:xfrm>
+          <a:off x="0" y="0"/>
+          <a:ext cx="0" cy="0"/>
+          <a:chOff x="0" y="0"/>
+          <a:chExt cx="0" cy="0"/>
+        </a:xfrm>
+      </p:grpSpPr>
+      <p:sp>
+        <p:nvSpPr>
+          <p:cNvPr id="2" name="標題 1">
+            <a:extLst>
+              <a:ext uri="{FF2B5EF4-FFF2-40B4-BE49-F238E27FC236}">
+                <a16:creationId xmlns:a16="http://schemas.microsoft.com/office/drawing/2014/main" id="{DBFBE940-EFF6-ADCF-B3AE-20E21BAB8416}"/>
+              </a:ext>
+            </a:extLst>
+          </p:cNvPr>
+          <p:cNvSpPr>
+            <a:spLocks noGrp="1"/>
+          </p:cNvSpPr>
+          <p:nvPr>
+            <p:ph type="title"/>
+          </p:nvPr>
+        </p:nvSpPr>
+        <p:spPr>
+          <a:xfrm>
+            <a:off x="209004" y="348040"/>
+            <a:ext cx="10131425" cy="814251"/>
+          </a:xfrm>
+        </p:spPr>
+        <p:txBody>
+          <a:bodyPr/>
+          <a:lstStyle/>
+          <a:p>
+            <a:r>
+              <a:rPr lang="zh-TW" altLang="en-US" dirty="0"/>
+              <a:t>使用案例圖</a:t>
+            </a:r>
+            <a:endParaRPr lang="zh-CN" altLang="en-US" dirty="0"/>
+          </a:p>
+        </p:txBody>
+      </p:sp>
+      <p:pic>
+        <p:nvPicPr>
+          <p:cNvPr id="9" name="內容版面配置區 8">
+            <a:extLst>
+              <a:ext uri="{FF2B5EF4-FFF2-40B4-BE49-F238E27FC236}">
+                <a16:creationId xmlns:a16="http://schemas.microsoft.com/office/drawing/2014/main" id="{64D4FF35-A76D-63EC-81FD-F3C29EF37D5B}"/>
+              </a:ext>
+            </a:extLst>
+          </p:cNvPr>
+          <p:cNvPicPr>
+            <a:picLocks noGrp="1" noChangeAspect="1"/>
+          </p:cNvPicPr>
+          <p:nvPr>
+            <p:ph idx="1"/>
+          </p:nvPr>
+        </p:nvPicPr>
+        <p:blipFill>
+          <a:blip r:embed="rId2"/>
+          <a:stretch>
+            <a:fillRect/>
+          </a:stretch>
+        </p:blipFill>
+        <p:spPr>
+          <a:xfrm>
+            <a:off x="2967779" y="348039"/>
+            <a:ext cx="8971827" cy="6026635"/>
+          </a:xfrm>
+        </p:spPr>
+      </p:pic>
+    </p:spTree>
+    <p:extLst>
+      <p:ext uri="{BB962C8B-B14F-4D97-AF65-F5344CB8AC3E}">
+        <p14:creationId xmlns:p14="http://schemas.microsoft.com/office/powerpoint/2010/main" val="282531963"/>
+      </p:ext>
+    </p:extLst>
+  </p:cSld>
+  <p:clrMapOvr>
+    <a:masterClrMapping/>
+  </p:clrMapOvr>
+</p:sld>
+</file>
+
+<file path=ppt/slides/slide23.xml><?xml version="1.0" encoding="utf-8"?>
+<p:sld xmlns:a="http://schemas.openxmlformats.org/drawingml/2006/main" xmlns:r="http://schemas.openxmlformats.org/officeDocument/2006/relationships" xmlns:p="http://schemas.openxmlformats.org/presentationml/2006/main">
+  <p:cSld>
+    <p:spTree>
+      <p:nvGrpSpPr>
+        <p:cNvPr id="1" name=""/>
+        <p:cNvGrpSpPr/>
+        <p:nvPr/>
+      </p:nvGrpSpPr>
+      <p:grpSpPr>
+        <a:xfrm>
+          <a:off x="0" y="0"/>
+          <a:ext cx="0" cy="0"/>
+          <a:chOff x="0" y="0"/>
+          <a:chExt cx="0" cy="0"/>
+        </a:xfrm>
+      </p:grpSpPr>
+      <p:sp>
+        <p:nvSpPr>
+          <p:cNvPr id="2" name="標題 1">
+            <a:extLst>
+              <a:ext uri="{FF2B5EF4-FFF2-40B4-BE49-F238E27FC236}">
                 <a16:creationId xmlns:a16="http://schemas.microsoft.com/office/drawing/2014/main" id="{59F7A91C-E24A-BEBB-37D0-BA41B3B29515}"/>
               </a:ext>
             </a:extLst>
@@ -7531,7 +7797,7 @@
         <p:spPr>
           <a:xfrm>
             <a:off x="685801" y="1831202"/>
-            <a:ext cx="10820398" cy="3416320"/>
+            <a:ext cx="10820398" cy="4524315"/>
           </a:xfrm>
           <a:prstGeom prst="rect">
             <a:avLst/>
@@ -7568,6 +7834,74 @@
           </a:p>
           <a:p>
             <a:endParaRPr lang="en-US" altLang="zh-CN" dirty="0"/>
+          </a:p>
+          <a:p>
+            <a:endParaRPr lang="en-US" altLang="zh-TW" dirty="0"/>
+          </a:p>
+          <a:p>
+            <a:r>
+              <a:rPr lang="zh-TW" altLang="en-US" dirty="0"/>
+              <a:t>小組分工</a:t>
+            </a:r>
+            <a:endParaRPr lang="en-US" altLang="zh-TW" dirty="0"/>
+          </a:p>
+          <a:p>
+            <a:r>
+              <a:rPr lang="en-US" altLang="zh-TW" sz="1800" b="0" i="0" dirty="0">
+                <a:effectLst/>
+                <a:latin typeface="-apple-system"/>
+              </a:rPr>
+              <a:t>109108113</a:t>
+            </a:r>
+            <a:r>
+              <a:rPr lang="zh-TW" altLang="en-US" sz="1800" b="0" i="0" dirty="0">
+                <a:effectLst/>
+                <a:latin typeface="-apple-system"/>
+              </a:rPr>
+              <a:t>梁舜勛 </a:t>
+            </a:r>
+            <a:r>
+              <a:rPr lang="en-US" altLang="zh-TW" sz="1800" b="0" i="0" dirty="0">
+                <a:effectLst/>
+                <a:latin typeface="-apple-system"/>
+              </a:rPr>
+              <a:t>60%</a:t>
+            </a:r>
+            <a:r>
+              <a:rPr lang="zh-TW" altLang="en-US" sz="1800" b="0" i="0" dirty="0">
+                <a:effectLst/>
+                <a:latin typeface="-apple-system"/>
+              </a:rPr>
+              <a:t>　</a:t>
+            </a:r>
+            <a:endParaRPr lang="en-US" altLang="zh-TW" sz="1800" b="0" i="0" dirty="0">
+              <a:effectLst/>
+              <a:latin typeface="-apple-system"/>
+            </a:endParaRPr>
+          </a:p>
+          <a:p>
+            <a:r>
+              <a:rPr lang="en-US" altLang="zh-TW" sz="1800" b="0" i="0" dirty="0">
+                <a:effectLst/>
+                <a:latin typeface="-apple-system"/>
+              </a:rPr>
+              <a:t>109111124</a:t>
+            </a:r>
+            <a:r>
+              <a:rPr lang="zh-TW" altLang="en-US" sz="1800" b="0" i="0" dirty="0">
+                <a:effectLst/>
+                <a:latin typeface="-apple-system"/>
+              </a:rPr>
+              <a:t>蔡巧柔 </a:t>
+            </a:r>
+            <a:r>
+              <a:rPr lang="en-US" altLang="zh-TW" sz="1800" b="0" i="0" dirty="0">
+                <a:effectLst/>
+                <a:latin typeface="-apple-system"/>
+              </a:rPr>
+              <a:t>40%</a:t>
+            </a:r>
+            <a:endParaRPr lang="zh-CN" altLang="en-US" sz="1800" dirty="0"/>
           </a:p>
           <a:p>
             <a:endParaRPr lang="zh-CN" altLang="en-US" dirty="0"/>
@@ -7609,7 +7943,7 @@
           <p:cNvPr id="2" name="標題 1">
             <a:extLst>
               <a:ext uri="{FF2B5EF4-FFF2-40B4-BE49-F238E27FC236}">
-                <a16:creationId xmlns:a16="http://schemas.microsoft.com/office/drawing/2014/main" id="{3D9C1DCA-42E1-5F55-2DD7-410ABE9761DB}"/>
+                <a16:creationId xmlns:a16="http://schemas.microsoft.com/office/drawing/2014/main" id="{C2A373BE-72CF-91A1-0735-08D8289FAF61}"/>
               </a:ext>
             </a:extLst>
           </p:cNvPr>
@@ -7622,28 +7956,55 @@
         </p:nvSpPr>
         <p:spPr>
           <a:xfrm>
-            <a:off x="1030287" y="2700866"/>
-            <a:ext cx="10131425" cy="1456267"/>
-          </a:xfrm>
-        </p:spPr>
-        <p:txBody>
-          <a:bodyPr>
-            <a:normAutofit/>
-          </a:bodyPr>
-          <a:lstStyle/>
-          <a:p>
-            <a:pPr algn="ctr"/>
-            <a:r>
-              <a:rPr lang="zh-TW" altLang="en-US" sz="5400" dirty="0"/>
-              <a:t>主要功能</a:t>
-            </a:r>
-          </a:p>
-        </p:txBody>
-      </p:sp>
+            <a:off x="247128" y="233577"/>
+            <a:ext cx="10131425" cy="827314"/>
+          </a:xfrm>
+        </p:spPr>
+        <p:txBody>
+          <a:bodyPr/>
+          <a:lstStyle/>
+          <a:p>
+            <a:r>
+              <a:rPr lang="zh-TW" altLang="en-US" dirty="0"/>
+              <a:t>註冊介面</a:t>
+            </a:r>
+            <a:endParaRPr lang="zh-CN" altLang="en-US" dirty="0"/>
+          </a:p>
+        </p:txBody>
+      </p:sp>
+      <p:pic>
+        <p:nvPicPr>
+          <p:cNvPr id="5" name="內容版面配置區 4">
+            <a:extLst>
+              <a:ext uri="{FF2B5EF4-FFF2-40B4-BE49-F238E27FC236}">
+                <a16:creationId xmlns:a16="http://schemas.microsoft.com/office/drawing/2014/main" id="{2D767448-8B17-B118-80D3-D1B96E1CB1D9}"/>
+              </a:ext>
+            </a:extLst>
+          </p:cNvPr>
+          <p:cNvPicPr>
+            <a:picLocks noGrp="1" noChangeAspect="1"/>
+          </p:cNvPicPr>
+          <p:nvPr>
+            <p:ph idx="1"/>
+          </p:nvPr>
+        </p:nvPicPr>
+        <p:blipFill>
+          <a:blip r:embed="rId2"/>
+          <a:stretch>
+            <a:fillRect/>
+          </a:stretch>
+        </p:blipFill>
+        <p:spPr>
+          <a:xfrm>
+            <a:off x="3365042" y="233577"/>
+            <a:ext cx="8253258" cy="6310914"/>
+          </a:xfrm>
+        </p:spPr>
+      </p:pic>
     </p:spTree>
     <p:extLst>
       <p:ext uri="{BB962C8B-B14F-4D97-AF65-F5344CB8AC3E}">
-        <p14:creationId xmlns:p14="http://schemas.microsoft.com/office/powerpoint/2010/main" val="2666994112"/>
+        <p14:creationId xmlns:p14="http://schemas.microsoft.com/office/powerpoint/2010/main" val="448122995"/>
       </p:ext>
     </p:extLst>
   </p:cSld>
@@ -7675,7 +8036,7 @@
           <p:cNvPr id="2" name="標題 1">
             <a:extLst>
               <a:ext uri="{FF2B5EF4-FFF2-40B4-BE49-F238E27FC236}">
-                <a16:creationId xmlns:a16="http://schemas.microsoft.com/office/drawing/2014/main" id="{CB4643E9-F437-0044-8F9F-C6DE1B54335F}"/>
+                <a16:creationId xmlns:a16="http://schemas.microsoft.com/office/drawing/2014/main" id="{69604C1A-E525-BF39-4D77-1C7C66359F96}"/>
               </a:ext>
             </a:extLst>
           </p:cNvPr>
@@ -7688,8 +8049,8 @@
         </p:nvSpPr>
         <p:spPr>
           <a:xfrm>
-            <a:off x="0" y="0"/>
-            <a:ext cx="10131425" cy="1319247"/>
+            <a:off x="233119" y="194385"/>
+            <a:ext cx="10131425" cy="775063"/>
           </a:xfrm>
         </p:spPr>
         <p:txBody>
@@ -7697,37 +8058,28 @@
           <a:lstStyle/>
           <a:p>
             <a:r>
-              <a:rPr lang="en-US" altLang="zh-TW" dirty="0"/>
-              <a:t>MEGA</a:t>
-            </a:r>
-            <a:r>
               <a:rPr lang="zh-TW" altLang="en-US" dirty="0"/>
-              <a:t>雲端：</a:t>
-            </a:r>
-            <a:r>
-              <a:rPr lang="zh-TW" altLang="en-US" b="0" i="0" dirty="0">
-                <a:effectLst/>
-                <a:latin typeface="var(--text-font-family-second-bold)"/>
-              </a:rPr>
-              <a:t>安全的雲端空間與快速的傳輸</a:t>
-            </a:r>
-            <a:endParaRPr lang="zh-TW" altLang="en-US" dirty="0"/>
+              <a:t>登入介面</a:t>
+            </a:r>
+            <a:endParaRPr lang="zh-CN" altLang="en-US" dirty="0"/>
           </a:p>
         </p:txBody>
       </p:sp>
       <p:pic>
         <p:nvPicPr>
-          <p:cNvPr id="5" name="圖片 4">
+          <p:cNvPr id="5" name="內容版面配置區 4">
             <a:extLst>
               <a:ext uri="{FF2B5EF4-FFF2-40B4-BE49-F238E27FC236}">
-                <a16:creationId xmlns:a16="http://schemas.microsoft.com/office/drawing/2014/main" id="{E79CB65F-E14B-E7E4-B58A-CA088DCF5D19}"/>
+                <a16:creationId xmlns:a16="http://schemas.microsoft.com/office/drawing/2014/main" id="{70DB0AEA-3DF4-FB8B-FF34-54D9C7C75EA7}"/>
               </a:ext>
             </a:extLst>
           </p:cNvPr>
           <p:cNvPicPr>
-            <a:picLocks noChangeAspect="1"/>
+            <a:picLocks noGrp="1" noChangeAspect="1"/>
           </p:cNvPicPr>
-          <p:nvPr/>
+          <p:nvPr>
+            <p:ph idx="1"/>
+          </p:nvPr>
         </p:nvPicPr>
         <p:blipFill>
           <a:blip r:embed="rId2"/>
@@ -7737,381 +8089,15 @@
         </p:blipFill>
         <p:spPr>
           <a:xfrm>
-            <a:off x="187020" y="1315198"/>
-            <a:ext cx="3075962" cy="2041485"/>
-          </a:xfrm>
-          <a:prstGeom prst="rect">
-            <a:avLst/>
-          </a:prstGeom>
+            <a:off x="3345600" y="194385"/>
+            <a:ext cx="8613281" cy="6532985"/>
+          </a:xfrm>
         </p:spPr>
       </p:pic>
-      <p:sp>
-        <p:nvSpPr>
-          <p:cNvPr id="8" name="文字方塊 7">
-            <a:extLst>
-              <a:ext uri="{FF2B5EF4-FFF2-40B4-BE49-F238E27FC236}">
-                <a16:creationId xmlns:a16="http://schemas.microsoft.com/office/drawing/2014/main" id="{5198602C-B99E-76C2-58FA-976360523028}"/>
-              </a:ext>
-            </a:extLst>
-          </p:cNvPr>
-          <p:cNvSpPr txBox="1"/>
-          <p:nvPr/>
-        </p:nvSpPr>
-        <p:spPr>
-          <a:xfrm>
-            <a:off x="93509" y="3422365"/>
-            <a:ext cx="3075961" cy="646331"/>
-          </a:xfrm>
-          <a:prstGeom prst="rect">
-            <a:avLst/>
-          </a:prstGeom>
-          <a:noFill/>
-        </p:spPr>
-        <p:txBody>
-          <a:bodyPr wrap="square" rtlCol="0">
-            <a:spAutoFit/>
-          </a:bodyPr>
-          <a:lstStyle/>
-          <a:p>
-            <a:r>
-              <a:rPr lang="en-US" altLang="zh-TW" b="0" i="0" dirty="0">
-                <a:effectLst/>
-                <a:latin typeface="var(--text-font-family-second-bold)"/>
-              </a:rPr>
-              <a:t>MEGA</a:t>
-            </a:r>
-            <a:r>
-              <a:rPr lang="zh-TW" altLang="en-US" b="0" i="0" dirty="0">
-                <a:effectLst/>
-                <a:latin typeface="var(--text-font-family-second-bold)"/>
-              </a:rPr>
-              <a:t>提供超大的雲端儲存空間</a:t>
-            </a:r>
-          </a:p>
-        </p:txBody>
-      </p:sp>
-      <p:pic>
-        <p:nvPicPr>
-          <p:cNvPr id="10" name="圖片 9">
-            <a:extLst>
-              <a:ext uri="{FF2B5EF4-FFF2-40B4-BE49-F238E27FC236}">
-                <a16:creationId xmlns:a16="http://schemas.microsoft.com/office/drawing/2014/main" id="{1389140C-69AA-17E1-FE1A-1B45A6084410}"/>
-              </a:ext>
-            </a:extLst>
-          </p:cNvPr>
-          <p:cNvPicPr>
-            <a:picLocks noChangeAspect="1"/>
-          </p:cNvPicPr>
-          <p:nvPr/>
-        </p:nvPicPr>
-        <p:blipFill>
-          <a:blip r:embed="rId3"/>
-          <a:stretch>
-            <a:fillRect/>
-          </a:stretch>
-        </p:blipFill>
-        <p:spPr>
-          <a:xfrm>
-            <a:off x="6547770" y="1315198"/>
-            <a:ext cx="3075962" cy="2041485"/>
-          </a:xfrm>
-          <a:prstGeom prst="rect">
-            <a:avLst/>
-          </a:prstGeom>
-        </p:spPr>
-      </p:pic>
-      <p:sp>
-        <p:nvSpPr>
-          <p:cNvPr id="11" name="文字方塊 10">
-            <a:extLst>
-              <a:ext uri="{FF2B5EF4-FFF2-40B4-BE49-F238E27FC236}">
-                <a16:creationId xmlns:a16="http://schemas.microsoft.com/office/drawing/2014/main" id="{A0AA59BB-DA0C-2DA1-9CC7-BE8475E834F3}"/>
-              </a:ext>
-            </a:extLst>
-          </p:cNvPr>
-          <p:cNvSpPr txBox="1"/>
-          <p:nvPr/>
-        </p:nvSpPr>
-        <p:spPr>
-          <a:xfrm>
-            <a:off x="3309737" y="3422365"/>
-            <a:ext cx="3075960" cy="646331"/>
-          </a:xfrm>
-          <a:prstGeom prst="rect">
-            <a:avLst/>
-          </a:prstGeom>
-          <a:noFill/>
-        </p:spPr>
-        <p:txBody>
-          <a:bodyPr wrap="square" rtlCol="0">
-            <a:spAutoFit/>
-          </a:bodyPr>
-          <a:lstStyle/>
-          <a:p>
-            <a:r>
-              <a:rPr lang="zh-TW" altLang="en-US" b="0" i="0" dirty="0">
-                <a:effectLst/>
-                <a:latin typeface="var(--text-font-family-second-bold)"/>
-              </a:rPr>
-              <a:t>不需註冊，使用連結即可下載檔案</a:t>
-            </a:r>
-            <a:endParaRPr lang="en-US" altLang="zh-TW" b="0" i="0" dirty="0">
-              <a:effectLst/>
-              <a:latin typeface="var(--text-font-family-second-bold)"/>
-            </a:endParaRPr>
-          </a:p>
-        </p:txBody>
-      </p:sp>
-      <p:pic>
-        <p:nvPicPr>
-          <p:cNvPr id="13" name="圖片 12">
-            <a:extLst>
-              <a:ext uri="{FF2B5EF4-FFF2-40B4-BE49-F238E27FC236}">
-                <a16:creationId xmlns:a16="http://schemas.microsoft.com/office/drawing/2014/main" id="{2005FA06-CF18-8D7D-5BC6-35F56EFE64ED}"/>
-              </a:ext>
-            </a:extLst>
-          </p:cNvPr>
-          <p:cNvPicPr>
-            <a:picLocks noChangeAspect="1"/>
-          </p:cNvPicPr>
-          <p:nvPr/>
-        </p:nvPicPr>
-        <p:blipFill>
-          <a:blip r:embed="rId4"/>
-          <a:stretch>
-            <a:fillRect/>
-          </a:stretch>
-        </p:blipFill>
-        <p:spPr>
-          <a:xfrm>
-            <a:off x="3365132" y="1315197"/>
-            <a:ext cx="3075962" cy="2041486"/>
-          </a:xfrm>
-          <a:prstGeom prst="rect">
-            <a:avLst/>
-          </a:prstGeom>
-        </p:spPr>
-      </p:pic>
-      <p:sp>
-        <p:nvSpPr>
-          <p:cNvPr id="14" name="文字方塊 13">
-            <a:extLst>
-              <a:ext uri="{FF2B5EF4-FFF2-40B4-BE49-F238E27FC236}">
-                <a16:creationId xmlns:a16="http://schemas.microsoft.com/office/drawing/2014/main" id="{D34049D6-F39C-5531-F662-99796B7EAA63}"/>
-              </a:ext>
-            </a:extLst>
-          </p:cNvPr>
-          <p:cNvSpPr txBox="1"/>
-          <p:nvPr/>
-        </p:nvSpPr>
-        <p:spPr>
-          <a:xfrm>
-            <a:off x="6525964" y="3422022"/>
-            <a:ext cx="3075960" cy="646331"/>
-          </a:xfrm>
-          <a:prstGeom prst="rect">
-            <a:avLst/>
-          </a:prstGeom>
-          <a:noFill/>
-        </p:spPr>
-        <p:txBody>
-          <a:bodyPr wrap="square" rtlCol="0">
-            <a:spAutoFit/>
-          </a:bodyPr>
-          <a:lstStyle/>
-          <a:p>
-            <a:r>
-              <a:rPr lang="zh-TW" altLang="en-US" b="0" i="0" dirty="0">
-                <a:effectLst/>
-                <a:latin typeface="var(--text-font-family-second-bold)"/>
-              </a:rPr>
-              <a:t>傳輸管理員可輕鬆管理您的傳輸</a:t>
-            </a:r>
-          </a:p>
-        </p:txBody>
-      </p:sp>
-      <p:sp>
-        <p:nvSpPr>
-          <p:cNvPr id="17" name="文字方塊 16">
-            <a:extLst>
-              <a:ext uri="{FF2B5EF4-FFF2-40B4-BE49-F238E27FC236}">
-                <a16:creationId xmlns:a16="http://schemas.microsoft.com/office/drawing/2014/main" id="{2539D65A-2053-4865-9215-FD4F69D7BCF9}"/>
-              </a:ext>
-            </a:extLst>
-          </p:cNvPr>
-          <p:cNvSpPr txBox="1"/>
-          <p:nvPr/>
-        </p:nvSpPr>
-        <p:spPr>
-          <a:xfrm>
-            <a:off x="9788947" y="3422366"/>
-            <a:ext cx="2403054" cy="646331"/>
-          </a:xfrm>
-          <a:prstGeom prst="rect">
-            <a:avLst/>
-          </a:prstGeom>
-          <a:noFill/>
-        </p:spPr>
-        <p:txBody>
-          <a:bodyPr wrap="square" rtlCol="0">
-            <a:spAutoFit/>
-          </a:bodyPr>
-          <a:lstStyle/>
-          <a:p>
-            <a:r>
-              <a:rPr lang="zh-TW" altLang="en-US" b="0" i="0" dirty="0">
-                <a:effectLst/>
-                <a:latin typeface="var(--text-font-family-second-bold)"/>
-              </a:rPr>
-              <a:t>甚至在行動裝置上完成檔案與傳輸的管理</a:t>
-            </a:r>
-          </a:p>
-        </p:txBody>
-      </p:sp>
-      <p:pic>
-        <p:nvPicPr>
-          <p:cNvPr id="19" name="圖片 18">
-            <a:extLst>
-              <a:ext uri="{FF2B5EF4-FFF2-40B4-BE49-F238E27FC236}">
-                <a16:creationId xmlns:a16="http://schemas.microsoft.com/office/drawing/2014/main" id="{18911A98-E383-BDFF-3CDA-8450013E839A}"/>
-              </a:ext>
-            </a:extLst>
-          </p:cNvPr>
-          <p:cNvPicPr>
-            <a:picLocks noChangeAspect="1"/>
-          </p:cNvPicPr>
-          <p:nvPr/>
-        </p:nvPicPr>
-        <p:blipFill>
-          <a:blip r:embed="rId5"/>
-          <a:stretch>
-            <a:fillRect/>
-          </a:stretch>
-        </p:blipFill>
-        <p:spPr>
-          <a:xfrm>
-            <a:off x="9730408" y="1315198"/>
-            <a:ext cx="2368492" cy="2041485"/>
-          </a:xfrm>
-          <a:prstGeom prst="rect">
-            <a:avLst/>
-          </a:prstGeom>
-        </p:spPr>
-      </p:pic>
-      <p:pic>
-        <p:nvPicPr>
-          <p:cNvPr id="21" name="圖片 20">
-            <a:extLst>
-              <a:ext uri="{FF2B5EF4-FFF2-40B4-BE49-F238E27FC236}">
-                <a16:creationId xmlns:a16="http://schemas.microsoft.com/office/drawing/2014/main" id="{DF6091C9-8D03-3FA5-F7D7-3749FB6574AA}"/>
-              </a:ext>
-            </a:extLst>
-          </p:cNvPr>
-          <p:cNvPicPr>
-            <a:picLocks noChangeAspect="1"/>
-          </p:cNvPicPr>
-          <p:nvPr/>
-        </p:nvPicPr>
-        <p:blipFill>
-          <a:blip r:embed="rId6"/>
-          <a:stretch>
-            <a:fillRect/>
-          </a:stretch>
-        </p:blipFill>
-        <p:spPr>
-          <a:xfrm>
-            <a:off x="187020" y="4125201"/>
-            <a:ext cx="4955232" cy="2661395"/>
-          </a:xfrm>
-          <a:prstGeom prst="rect">
-            <a:avLst/>
-          </a:prstGeom>
-        </p:spPr>
-      </p:pic>
-      <p:sp>
-        <p:nvSpPr>
-          <p:cNvPr id="22" name="文字方塊 21">
-            <a:extLst>
-              <a:ext uri="{FF2B5EF4-FFF2-40B4-BE49-F238E27FC236}">
-                <a16:creationId xmlns:a16="http://schemas.microsoft.com/office/drawing/2014/main" id="{B8C13F17-F1DF-CC16-B2AF-25D70DFF3418}"/>
-              </a:ext>
-            </a:extLst>
-          </p:cNvPr>
-          <p:cNvSpPr txBox="1"/>
-          <p:nvPr/>
-        </p:nvSpPr>
-        <p:spPr>
-          <a:xfrm>
-            <a:off x="5268286" y="4823670"/>
-            <a:ext cx="6504264" cy="1754326"/>
-          </a:xfrm>
-          <a:prstGeom prst="rect">
-            <a:avLst/>
-          </a:prstGeom>
-          <a:noFill/>
-        </p:spPr>
-        <p:txBody>
-          <a:bodyPr wrap="square" rtlCol="0">
-            <a:spAutoFit/>
-          </a:bodyPr>
-          <a:lstStyle/>
-          <a:p>
-            <a:pPr algn="l"/>
-            <a:r>
-              <a:rPr lang="zh-TW" altLang="en-US" b="0" i="0" dirty="0">
-                <a:effectLst/>
-                <a:latin typeface="var(--text-font-family-second-bold)"/>
-              </a:rPr>
-              <a:t>安裝</a:t>
-            </a:r>
-            <a:r>
-              <a:rPr lang="en-US" altLang="zh-TW" b="0" i="0" dirty="0">
-                <a:effectLst/>
-                <a:latin typeface="var(--text-font-family-second-bold)"/>
-              </a:rPr>
-              <a:t>MEGA</a:t>
-            </a:r>
-            <a:r>
-              <a:rPr lang="zh-TW" altLang="en-US" b="0" i="0" dirty="0">
-                <a:effectLst/>
-                <a:latin typeface="var(--text-font-family-second-bold)"/>
-              </a:rPr>
-              <a:t>桌面應用程式，享受您電腦與您</a:t>
-            </a:r>
-            <a:r>
-              <a:rPr lang="en-US" altLang="zh-TW" b="0" i="0" dirty="0">
-                <a:effectLst/>
-                <a:latin typeface="var(--text-font-family-second-bold)"/>
-              </a:rPr>
-              <a:t>MEGA</a:t>
-            </a:r>
-            <a:r>
-              <a:rPr lang="zh-TW" altLang="en-US" b="0" i="0" dirty="0">
-                <a:effectLst/>
-                <a:latin typeface="var(--text-font-family-second-bold)"/>
-              </a:rPr>
-              <a:t>雲端硬碟之間的快速同步</a:t>
-            </a:r>
-          </a:p>
-          <a:p>
-            <a:pPr algn="l"/>
-            <a:r>
-              <a:rPr lang="zh-TW" altLang="en-US" b="0" i="0" dirty="0">
-                <a:effectLst/>
-                <a:latin typeface="LatoWeb"/>
-              </a:rPr>
-              <a:t>您可以完全控制進行中和已完成的傳輸。全方位功能讓您可以設定優先等級、暫停與恢復上傳及下載、並且能以輕鬆的方式為大型檔案產生連結，避免瀏覽器當機。</a:t>
-            </a:r>
-          </a:p>
-          <a:p>
-            <a:endParaRPr lang="zh-TW" altLang="en-US" dirty="0"/>
-          </a:p>
-        </p:txBody>
-      </p:sp>
     </p:spTree>
     <p:extLst>
       <p:ext uri="{BB962C8B-B14F-4D97-AF65-F5344CB8AC3E}">
-        <p14:creationId xmlns:p14="http://schemas.microsoft.com/office/powerpoint/2010/main" val="1970196837"/>
+        <p14:creationId xmlns:p14="http://schemas.microsoft.com/office/powerpoint/2010/main" val="1669399757"/>
       </p:ext>
     </p:extLst>
   </p:cSld>
@@ -8143,7 +8129,7 @@
           <p:cNvPr id="2" name="標題 1">
             <a:extLst>
               <a:ext uri="{FF2B5EF4-FFF2-40B4-BE49-F238E27FC236}">
-                <a16:creationId xmlns:a16="http://schemas.microsoft.com/office/drawing/2014/main" id="{3A10CDDA-279D-2917-36AE-7621BF717162}"/>
+                <a16:creationId xmlns:a16="http://schemas.microsoft.com/office/drawing/2014/main" id="{BDE08A27-8798-871D-AEC8-2907A4E4B64B}"/>
               </a:ext>
             </a:extLst>
           </p:cNvPr>
@@ -8154,106 +8140,57 @@
             <p:ph type="title"/>
           </p:nvPr>
         </p:nvSpPr>
-        <p:spPr/>
+        <p:spPr>
+          <a:xfrm>
+            <a:off x="255495" y="288064"/>
+            <a:ext cx="10131425" cy="756965"/>
+          </a:xfrm>
+        </p:spPr>
         <p:txBody>
           <a:bodyPr/>
           <a:lstStyle/>
           <a:p>
             <a:r>
               <a:rPr lang="zh-TW" altLang="en-US" dirty="0"/>
-              <a:t>安全性：</a:t>
-            </a:r>
-            <a:r>
-              <a:rPr lang="zh-TW" altLang="en-US" b="0" i="0" dirty="0">
-                <a:effectLst/>
-                <a:latin typeface="montserrat_light"/>
-              </a:rPr>
-              <a:t>以使用者控制的點對點加密技術而設計</a:t>
-            </a:r>
-            <a:endParaRPr lang="zh-TW" altLang="en-US" dirty="0"/>
-          </a:p>
-        </p:txBody>
-      </p:sp>
-      <p:sp>
-        <p:nvSpPr>
-          <p:cNvPr id="3" name="內容版面配置區 2">
+              <a:t>雲端介面</a:t>
+            </a:r>
+            <a:endParaRPr lang="zh-CN" altLang="en-US" dirty="0"/>
+          </a:p>
+        </p:txBody>
+      </p:sp>
+      <p:pic>
+        <p:nvPicPr>
+          <p:cNvPr id="5" name="內容版面配置區 4">
             <a:extLst>
               <a:ext uri="{FF2B5EF4-FFF2-40B4-BE49-F238E27FC236}">
-                <a16:creationId xmlns:a16="http://schemas.microsoft.com/office/drawing/2014/main" id="{7C4117DD-13C0-85E1-94B8-17F09A6523AD}"/>
+                <a16:creationId xmlns:a16="http://schemas.microsoft.com/office/drawing/2014/main" id="{67832F5C-68A5-6F86-ED6C-8925662FEE75}"/>
               </a:ext>
             </a:extLst>
           </p:cNvPr>
-          <p:cNvSpPr>
-            <a:spLocks noGrp="1"/>
-          </p:cNvSpPr>
+          <p:cNvPicPr>
+            <a:picLocks noGrp="1" noChangeAspect="1"/>
+          </p:cNvPicPr>
           <p:nvPr>
             <p:ph idx="1"/>
           </p:nvPr>
-        </p:nvSpPr>
-        <p:spPr/>
-        <p:txBody>
-          <a:bodyPr>
-            <a:normAutofit/>
-          </a:bodyPr>
-          <a:lstStyle/>
-          <a:p>
-            <a:r>
-              <a:rPr lang="zh-TW" altLang="en-US" sz="2400" b="0" i="0" dirty="0">
-                <a:effectLst/>
-                <a:latin typeface="LatoWeb"/>
-              </a:rPr>
-              <a:t>您在</a:t>
-            </a:r>
-            <a:r>
-              <a:rPr lang="en-US" altLang="zh-TW" sz="2400" b="0" i="0" dirty="0">
-                <a:effectLst/>
-                <a:latin typeface="LatoWeb"/>
-              </a:rPr>
-              <a:t>MEGA</a:t>
-            </a:r>
-            <a:r>
-              <a:rPr lang="zh-TW" altLang="en-US" sz="2400" b="0" i="0" dirty="0">
-                <a:effectLst/>
-                <a:latin typeface="LatoWeb"/>
-              </a:rPr>
-              <a:t>上的所有資料都使用從您密碼所衍生出來的金鑰進行加密；換句話說，您的密碼就是您的主加密金鑰。</a:t>
-            </a:r>
-            <a:r>
-              <a:rPr lang="en-US" altLang="zh-TW" sz="2400" b="0" i="0" dirty="0">
-                <a:effectLst/>
-                <a:latin typeface="LatoWeb"/>
-              </a:rPr>
-              <a:t>MEGA</a:t>
-            </a:r>
-            <a:r>
-              <a:rPr lang="zh-TW" altLang="en-US" sz="2400" b="0" i="0" dirty="0">
-                <a:effectLst/>
-                <a:latin typeface="LatoWeb"/>
-              </a:rPr>
-              <a:t>無權存取您的密碼或資料。使用高強度且獨特的密碼將確保您的資料免遭駭客入侵，並讓您完全放心您的資料將保持原貌。</a:t>
-            </a:r>
-            <a:r>
-              <a:rPr lang="en-US" altLang="zh-TW" sz="2400" b="0" i="0" dirty="0">
-                <a:effectLst/>
-                <a:latin typeface="LatoWeb"/>
-              </a:rPr>
-              <a:t>MEGA</a:t>
-            </a:r>
-            <a:r>
-              <a:rPr lang="zh-TW" altLang="en-US" sz="2400" b="0" i="0" dirty="0">
-                <a:effectLst/>
-                <a:latin typeface="LatoWeb"/>
-              </a:rPr>
-              <a:t>建議您產生一組唯一的高強度密碼，並將其儲存在密碼管理員裡。</a:t>
-            </a:r>
-            <a:endParaRPr lang="zh-TW" altLang="en-US" sz="2400" dirty="0"/>
-          </a:p>
-        </p:txBody>
-      </p:sp>
+        </p:nvPicPr>
+        <p:blipFill>
+          <a:blip r:embed="rId2"/>
+          <a:stretch>
+            <a:fillRect/>
+          </a:stretch>
+        </p:blipFill>
+        <p:spPr>
+          <a:xfrm>
+            <a:off x="3110912" y="288064"/>
+            <a:ext cx="8525276" cy="6461922"/>
+          </a:xfrm>
+        </p:spPr>
+      </p:pic>
     </p:spTree>
     <p:extLst>
       <p:ext uri="{BB962C8B-B14F-4D97-AF65-F5344CB8AC3E}">
-        <p14:creationId xmlns:p14="http://schemas.microsoft.com/office/powerpoint/2010/main" val="2997167959"/>
+        <p14:creationId xmlns:p14="http://schemas.microsoft.com/office/powerpoint/2010/main" val="1836856571"/>
       </p:ext>
     </p:extLst>
   </p:cSld>
@@ -8285,7 +8222,7 @@
           <p:cNvPr id="2" name="標題 1">
             <a:extLst>
               <a:ext uri="{FF2B5EF4-FFF2-40B4-BE49-F238E27FC236}">
-                <a16:creationId xmlns:a16="http://schemas.microsoft.com/office/drawing/2014/main" id="{697F4E18-39F3-63CA-6D78-B69C1B540133}"/>
+                <a16:creationId xmlns:a16="http://schemas.microsoft.com/office/drawing/2014/main" id="{3D9C1DCA-42E1-5F55-2DD7-410ABE9761DB}"/>
               </a:ext>
             </a:extLst>
           </p:cNvPr>
@@ -8298,62 +8235,28 @@
         </p:nvSpPr>
         <p:spPr>
           <a:xfrm>
-            <a:off x="677410" y="129252"/>
+            <a:off x="1030287" y="2700866"/>
             <a:ext cx="10131425" cy="1456267"/>
           </a:xfrm>
         </p:spPr>
         <p:txBody>
-          <a:bodyPr/>
-          <a:lstStyle/>
-          <a:p>
-            <a:r>
-              <a:rPr lang="zh-TW" altLang="en-US" dirty="0"/>
-              <a:t>安全對話：</a:t>
-            </a:r>
-            <a:r>
-              <a:rPr lang="zh-TW" altLang="en-US" b="0" i="0" dirty="0">
-                <a:effectLst/>
-                <a:latin typeface="var(--text-font-family-second-bold)"/>
-              </a:rPr>
-              <a:t>具隱私和安全的通訊</a:t>
-            </a:r>
-            <a:endParaRPr lang="zh-TW" altLang="en-US" dirty="0"/>
-          </a:p>
-        </p:txBody>
-      </p:sp>
-      <p:pic>
-        <p:nvPicPr>
-          <p:cNvPr id="5" name="內容版面配置區 4">
-            <a:extLst>
-              <a:ext uri="{FF2B5EF4-FFF2-40B4-BE49-F238E27FC236}">
-                <a16:creationId xmlns:a16="http://schemas.microsoft.com/office/drawing/2014/main" id="{2B5F56C0-B1E8-06DF-132B-6B4159A0589A}"/>
-              </a:ext>
-            </a:extLst>
-          </p:cNvPr>
-          <p:cNvPicPr>
-            <a:picLocks noGrp="1" noChangeAspect="1"/>
-          </p:cNvPicPr>
-          <p:nvPr>
-            <p:ph idx="1"/>
-          </p:nvPr>
-        </p:nvPicPr>
-        <p:blipFill>
-          <a:blip r:embed="rId2"/>
-          <a:stretch>
-            <a:fillRect/>
-          </a:stretch>
-        </p:blipFill>
-        <p:spPr>
-          <a:xfrm>
-            <a:off x="1741296" y="1585519"/>
-            <a:ext cx="8593741" cy="4939359"/>
-          </a:xfrm>
-        </p:spPr>
-      </p:pic>
+          <a:bodyPr>
+            <a:normAutofit/>
+          </a:bodyPr>
+          <a:lstStyle/>
+          <a:p>
+            <a:pPr algn="ctr"/>
+            <a:r>
+              <a:rPr lang="zh-TW" altLang="en-US" sz="5400" dirty="0"/>
+              <a:t>主要功能</a:t>
+            </a:r>
+          </a:p>
+        </p:txBody>
+      </p:sp>
     </p:spTree>
     <p:extLst>
       <p:ext uri="{BB962C8B-B14F-4D97-AF65-F5344CB8AC3E}">
-        <p14:creationId xmlns:p14="http://schemas.microsoft.com/office/powerpoint/2010/main" val="671673151"/>
+        <p14:creationId xmlns:p14="http://schemas.microsoft.com/office/powerpoint/2010/main" val="2666994112"/>
       </p:ext>
     </p:extLst>
   </p:cSld>
@@ -8385,7 +8288,7 @@
           <p:cNvPr id="2" name="標題 1">
             <a:extLst>
               <a:ext uri="{FF2B5EF4-FFF2-40B4-BE49-F238E27FC236}">
-                <a16:creationId xmlns:a16="http://schemas.microsoft.com/office/drawing/2014/main" id="{EECBF254-B020-093B-6794-E94675CB09AC}"/>
+                <a16:creationId xmlns:a16="http://schemas.microsoft.com/office/drawing/2014/main" id="{CB4643E9-F437-0044-8F9F-C6DE1B54335F}"/>
               </a:ext>
             </a:extLst>
           </p:cNvPr>
@@ -8398,49 +8301,46 @@
         </p:nvSpPr>
         <p:spPr>
           <a:xfrm>
-            <a:off x="593522" y="408265"/>
-            <a:ext cx="10131425" cy="1456267"/>
-          </a:xfrm>
-        </p:spPr>
-        <p:txBody>
-          <a:bodyPr>
-            <a:normAutofit/>
-          </a:bodyPr>
-          <a:lstStyle/>
-          <a:p>
+            <a:off x="0" y="0"/>
+            <a:ext cx="10131425" cy="1319247"/>
+          </a:xfrm>
+        </p:spPr>
+        <p:txBody>
+          <a:bodyPr/>
+          <a:lstStyle/>
+          <a:p>
+            <a:r>
+              <a:rPr lang="en-US" altLang="zh-TW" dirty="0"/>
+              <a:t>MEGA</a:t>
+            </a:r>
             <a:r>
               <a:rPr lang="zh-TW" altLang="en-US" dirty="0"/>
-              <a:t>協同合作：</a:t>
+              <a:t>雲端：</a:t>
             </a:r>
             <a:r>
               <a:rPr lang="zh-TW" altLang="en-US" b="0" i="0" dirty="0">
                 <a:effectLst/>
                 <a:latin typeface="var(--text-font-family-second-bold)"/>
               </a:rPr>
-              <a:t>安全，簡單，以及全方位</a:t>
-            </a:r>
-            <a:br>
-              <a:rPr lang="en-US" altLang="zh-TW" dirty="0"/>
-            </a:br>
+              <a:t>安全的雲端空間與快速的傳輸</a:t>
+            </a:r>
             <a:endParaRPr lang="zh-TW" altLang="en-US" dirty="0"/>
           </a:p>
         </p:txBody>
       </p:sp>
       <p:pic>
         <p:nvPicPr>
-          <p:cNvPr id="5" name="內容版面配置區 4">
+          <p:cNvPr id="5" name="圖片 4">
             <a:extLst>
               <a:ext uri="{FF2B5EF4-FFF2-40B4-BE49-F238E27FC236}">
-                <a16:creationId xmlns:a16="http://schemas.microsoft.com/office/drawing/2014/main" id="{70DFC4C9-F9B6-DFBE-73D6-70A6238325D1}"/>
+                <a16:creationId xmlns:a16="http://schemas.microsoft.com/office/drawing/2014/main" id="{E79CB65F-E14B-E7E4-B58A-CA088DCF5D19}"/>
               </a:ext>
             </a:extLst>
           </p:cNvPr>
           <p:cNvPicPr>
-            <a:picLocks noGrp="1" noChangeAspect="1"/>
+            <a:picLocks noChangeAspect="1"/>
           </p:cNvPicPr>
-          <p:nvPr>
-            <p:ph idx="1"/>
-          </p:nvPr>
+          <p:nvPr/>
         </p:nvPicPr>
         <p:blipFill>
           <a:blip r:embed="rId2"/>
@@ -8450,15 +8350,381 @@
         </p:blipFill>
         <p:spPr>
           <a:xfrm>
-            <a:off x="2008840" y="1549894"/>
-            <a:ext cx="8174319" cy="5138927"/>
-          </a:xfrm>
+            <a:off x="187020" y="1315198"/>
+            <a:ext cx="3075962" cy="2041485"/>
+          </a:xfrm>
+          <a:prstGeom prst="rect">
+            <a:avLst/>
+          </a:prstGeom>
         </p:spPr>
       </p:pic>
+      <p:sp>
+        <p:nvSpPr>
+          <p:cNvPr id="8" name="文字方塊 7">
+            <a:extLst>
+              <a:ext uri="{FF2B5EF4-FFF2-40B4-BE49-F238E27FC236}">
+                <a16:creationId xmlns:a16="http://schemas.microsoft.com/office/drawing/2014/main" id="{5198602C-B99E-76C2-58FA-976360523028}"/>
+              </a:ext>
+            </a:extLst>
+          </p:cNvPr>
+          <p:cNvSpPr txBox="1"/>
+          <p:nvPr/>
+        </p:nvSpPr>
+        <p:spPr>
+          <a:xfrm>
+            <a:off x="93509" y="3422365"/>
+            <a:ext cx="3075961" cy="646331"/>
+          </a:xfrm>
+          <a:prstGeom prst="rect">
+            <a:avLst/>
+          </a:prstGeom>
+          <a:noFill/>
+        </p:spPr>
+        <p:txBody>
+          <a:bodyPr wrap="square" rtlCol="0">
+            <a:spAutoFit/>
+          </a:bodyPr>
+          <a:lstStyle/>
+          <a:p>
+            <a:r>
+              <a:rPr lang="en-US" altLang="zh-TW" b="0" i="0" dirty="0">
+                <a:effectLst/>
+                <a:latin typeface="var(--text-font-family-second-bold)"/>
+              </a:rPr>
+              <a:t>MEGA</a:t>
+            </a:r>
+            <a:r>
+              <a:rPr lang="zh-TW" altLang="en-US" b="0" i="0" dirty="0">
+                <a:effectLst/>
+                <a:latin typeface="var(--text-font-family-second-bold)"/>
+              </a:rPr>
+              <a:t>提供超大的雲端儲存空間</a:t>
+            </a:r>
+          </a:p>
+        </p:txBody>
+      </p:sp>
+      <p:pic>
+        <p:nvPicPr>
+          <p:cNvPr id="10" name="圖片 9">
+            <a:extLst>
+              <a:ext uri="{FF2B5EF4-FFF2-40B4-BE49-F238E27FC236}">
+                <a16:creationId xmlns:a16="http://schemas.microsoft.com/office/drawing/2014/main" id="{1389140C-69AA-17E1-FE1A-1B45A6084410}"/>
+              </a:ext>
+            </a:extLst>
+          </p:cNvPr>
+          <p:cNvPicPr>
+            <a:picLocks noChangeAspect="1"/>
+          </p:cNvPicPr>
+          <p:nvPr/>
+        </p:nvPicPr>
+        <p:blipFill>
+          <a:blip r:embed="rId3"/>
+          <a:stretch>
+            <a:fillRect/>
+          </a:stretch>
+        </p:blipFill>
+        <p:spPr>
+          <a:xfrm>
+            <a:off x="6547770" y="1315198"/>
+            <a:ext cx="3075962" cy="2041485"/>
+          </a:xfrm>
+          <a:prstGeom prst="rect">
+            <a:avLst/>
+          </a:prstGeom>
+        </p:spPr>
+      </p:pic>
+      <p:sp>
+        <p:nvSpPr>
+          <p:cNvPr id="11" name="文字方塊 10">
+            <a:extLst>
+              <a:ext uri="{FF2B5EF4-FFF2-40B4-BE49-F238E27FC236}">
+                <a16:creationId xmlns:a16="http://schemas.microsoft.com/office/drawing/2014/main" id="{A0AA59BB-DA0C-2DA1-9CC7-BE8475E834F3}"/>
+              </a:ext>
+            </a:extLst>
+          </p:cNvPr>
+          <p:cNvSpPr txBox="1"/>
+          <p:nvPr/>
+        </p:nvSpPr>
+        <p:spPr>
+          <a:xfrm>
+            <a:off x="3309737" y="3422365"/>
+            <a:ext cx="3075960" cy="646331"/>
+          </a:xfrm>
+          <a:prstGeom prst="rect">
+            <a:avLst/>
+          </a:prstGeom>
+          <a:noFill/>
+        </p:spPr>
+        <p:txBody>
+          <a:bodyPr wrap="square" rtlCol="0">
+            <a:spAutoFit/>
+          </a:bodyPr>
+          <a:lstStyle/>
+          <a:p>
+            <a:r>
+              <a:rPr lang="zh-TW" altLang="en-US" b="0" i="0" dirty="0">
+                <a:effectLst/>
+                <a:latin typeface="var(--text-font-family-second-bold)"/>
+              </a:rPr>
+              <a:t>不需註冊，使用連結即可下載檔案</a:t>
+            </a:r>
+            <a:endParaRPr lang="en-US" altLang="zh-TW" b="0" i="0" dirty="0">
+              <a:effectLst/>
+              <a:latin typeface="var(--text-font-family-second-bold)"/>
+            </a:endParaRPr>
+          </a:p>
+        </p:txBody>
+      </p:sp>
+      <p:pic>
+        <p:nvPicPr>
+          <p:cNvPr id="13" name="圖片 12">
+            <a:extLst>
+              <a:ext uri="{FF2B5EF4-FFF2-40B4-BE49-F238E27FC236}">
+                <a16:creationId xmlns:a16="http://schemas.microsoft.com/office/drawing/2014/main" id="{2005FA06-CF18-8D7D-5BC6-35F56EFE64ED}"/>
+              </a:ext>
+            </a:extLst>
+          </p:cNvPr>
+          <p:cNvPicPr>
+            <a:picLocks noChangeAspect="1"/>
+          </p:cNvPicPr>
+          <p:nvPr/>
+        </p:nvPicPr>
+        <p:blipFill>
+          <a:blip r:embed="rId4"/>
+          <a:stretch>
+            <a:fillRect/>
+          </a:stretch>
+        </p:blipFill>
+        <p:spPr>
+          <a:xfrm>
+            <a:off x="3365132" y="1315197"/>
+            <a:ext cx="3075962" cy="2041486"/>
+          </a:xfrm>
+          <a:prstGeom prst="rect">
+            <a:avLst/>
+          </a:prstGeom>
+        </p:spPr>
+      </p:pic>
+      <p:sp>
+        <p:nvSpPr>
+          <p:cNvPr id="14" name="文字方塊 13">
+            <a:extLst>
+              <a:ext uri="{FF2B5EF4-FFF2-40B4-BE49-F238E27FC236}">
+                <a16:creationId xmlns:a16="http://schemas.microsoft.com/office/drawing/2014/main" id="{D34049D6-F39C-5531-F662-99796B7EAA63}"/>
+              </a:ext>
+            </a:extLst>
+          </p:cNvPr>
+          <p:cNvSpPr txBox="1"/>
+          <p:nvPr/>
+        </p:nvSpPr>
+        <p:spPr>
+          <a:xfrm>
+            <a:off x="6525964" y="3422022"/>
+            <a:ext cx="3075960" cy="646331"/>
+          </a:xfrm>
+          <a:prstGeom prst="rect">
+            <a:avLst/>
+          </a:prstGeom>
+          <a:noFill/>
+        </p:spPr>
+        <p:txBody>
+          <a:bodyPr wrap="square" rtlCol="0">
+            <a:spAutoFit/>
+          </a:bodyPr>
+          <a:lstStyle/>
+          <a:p>
+            <a:r>
+              <a:rPr lang="zh-TW" altLang="en-US" b="0" i="0" dirty="0">
+                <a:effectLst/>
+                <a:latin typeface="var(--text-font-family-second-bold)"/>
+              </a:rPr>
+              <a:t>傳輸管理員可輕鬆管理您的傳輸</a:t>
+            </a:r>
+          </a:p>
+        </p:txBody>
+      </p:sp>
+      <p:sp>
+        <p:nvSpPr>
+          <p:cNvPr id="17" name="文字方塊 16">
+            <a:extLst>
+              <a:ext uri="{FF2B5EF4-FFF2-40B4-BE49-F238E27FC236}">
+                <a16:creationId xmlns:a16="http://schemas.microsoft.com/office/drawing/2014/main" id="{2539D65A-2053-4865-9215-FD4F69D7BCF9}"/>
+              </a:ext>
+            </a:extLst>
+          </p:cNvPr>
+          <p:cNvSpPr txBox="1"/>
+          <p:nvPr/>
+        </p:nvSpPr>
+        <p:spPr>
+          <a:xfrm>
+            <a:off x="9788947" y="3422366"/>
+            <a:ext cx="2403054" cy="646331"/>
+          </a:xfrm>
+          <a:prstGeom prst="rect">
+            <a:avLst/>
+          </a:prstGeom>
+          <a:noFill/>
+        </p:spPr>
+        <p:txBody>
+          <a:bodyPr wrap="square" rtlCol="0">
+            <a:spAutoFit/>
+          </a:bodyPr>
+          <a:lstStyle/>
+          <a:p>
+            <a:r>
+              <a:rPr lang="zh-TW" altLang="en-US" b="0" i="0" dirty="0">
+                <a:effectLst/>
+                <a:latin typeface="var(--text-font-family-second-bold)"/>
+              </a:rPr>
+              <a:t>甚至在行動裝置上完成檔案與傳輸的管理</a:t>
+            </a:r>
+          </a:p>
+        </p:txBody>
+      </p:sp>
+      <p:pic>
+        <p:nvPicPr>
+          <p:cNvPr id="19" name="圖片 18">
+            <a:extLst>
+              <a:ext uri="{FF2B5EF4-FFF2-40B4-BE49-F238E27FC236}">
+                <a16:creationId xmlns:a16="http://schemas.microsoft.com/office/drawing/2014/main" id="{18911A98-E383-BDFF-3CDA-8450013E839A}"/>
+              </a:ext>
+            </a:extLst>
+          </p:cNvPr>
+          <p:cNvPicPr>
+            <a:picLocks noChangeAspect="1"/>
+          </p:cNvPicPr>
+          <p:nvPr/>
+        </p:nvPicPr>
+        <p:blipFill>
+          <a:blip r:embed="rId5"/>
+          <a:stretch>
+            <a:fillRect/>
+          </a:stretch>
+        </p:blipFill>
+        <p:spPr>
+          <a:xfrm>
+            <a:off x="9730408" y="1315198"/>
+            <a:ext cx="2368492" cy="2041485"/>
+          </a:xfrm>
+          <a:prstGeom prst="rect">
+            <a:avLst/>
+          </a:prstGeom>
+        </p:spPr>
+      </p:pic>
+      <p:pic>
+        <p:nvPicPr>
+          <p:cNvPr id="21" name="圖片 20">
+            <a:extLst>
+              <a:ext uri="{FF2B5EF4-FFF2-40B4-BE49-F238E27FC236}">
+                <a16:creationId xmlns:a16="http://schemas.microsoft.com/office/drawing/2014/main" id="{DF6091C9-8D03-3FA5-F7D7-3749FB6574AA}"/>
+              </a:ext>
+            </a:extLst>
+          </p:cNvPr>
+          <p:cNvPicPr>
+            <a:picLocks noChangeAspect="1"/>
+          </p:cNvPicPr>
+          <p:nvPr/>
+        </p:nvPicPr>
+        <p:blipFill>
+          <a:blip r:embed="rId6"/>
+          <a:stretch>
+            <a:fillRect/>
+          </a:stretch>
+        </p:blipFill>
+        <p:spPr>
+          <a:xfrm>
+            <a:off x="187020" y="4125201"/>
+            <a:ext cx="4955232" cy="2661395"/>
+          </a:xfrm>
+          <a:prstGeom prst="rect">
+            <a:avLst/>
+          </a:prstGeom>
+        </p:spPr>
+      </p:pic>
+      <p:sp>
+        <p:nvSpPr>
+          <p:cNvPr id="22" name="文字方塊 21">
+            <a:extLst>
+              <a:ext uri="{FF2B5EF4-FFF2-40B4-BE49-F238E27FC236}">
+                <a16:creationId xmlns:a16="http://schemas.microsoft.com/office/drawing/2014/main" id="{B8C13F17-F1DF-CC16-B2AF-25D70DFF3418}"/>
+              </a:ext>
+            </a:extLst>
+          </p:cNvPr>
+          <p:cNvSpPr txBox="1"/>
+          <p:nvPr/>
+        </p:nvSpPr>
+        <p:spPr>
+          <a:xfrm>
+            <a:off x="5268286" y="4823670"/>
+            <a:ext cx="6504264" cy="1754326"/>
+          </a:xfrm>
+          <a:prstGeom prst="rect">
+            <a:avLst/>
+          </a:prstGeom>
+          <a:noFill/>
+        </p:spPr>
+        <p:txBody>
+          <a:bodyPr wrap="square" rtlCol="0">
+            <a:spAutoFit/>
+          </a:bodyPr>
+          <a:lstStyle/>
+          <a:p>
+            <a:pPr algn="l"/>
+            <a:r>
+              <a:rPr lang="zh-TW" altLang="en-US" b="0" i="0" dirty="0">
+                <a:effectLst/>
+                <a:latin typeface="var(--text-font-family-second-bold)"/>
+              </a:rPr>
+              <a:t>安裝</a:t>
+            </a:r>
+            <a:r>
+              <a:rPr lang="en-US" altLang="zh-TW" b="0" i="0" dirty="0">
+                <a:effectLst/>
+                <a:latin typeface="var(--text-font-family-second-bold)"/>
+              </a:rPr>
+              <a:t>MEGA</a:t>
+            </a:r>
+            <a:r>
+              <a:rPr lang="zh-TW" altLang="en-US" b="0" i="0" dirty="0">
+                <a:effectLst/>
+                <a:latin typeface="var(--text-font-family-second-bold)"/>
+              </a:rPr>
+              <a:t>桌面應用程式，享受您電腦與您</a:t>
+            </a:r>
+            <a:r>
+              <a:rPr lang="en-US" altLang="zh-TW" b="0" i="0" dirty="0">
+                <a:effectLst/>
+                <a:latin typeface="var(--text-font-family-second-bold)"/>
+              </a:rPr>
+              <a:t>MEGA</a:t>
+            </a:r>
+            <a:r>
+              <a:rPr lang="zh-TW" altLang="en-US" b="0" i="0" dirty="0">
+                <a:effectLst/>
+                <a:latin typeface="var(--text-font-family-second-bold)"/>
+              </a:rPr>
+              <a:t>雲端硬碟之間的快速同步</a:t>
+            </a:r>
+          </a:p>
+          <a:p>
+            <a:pPr algn="l"/>
+            <a:r>
+              <a:rPr lang="zh-TW" altLang="en-US" b="0" i="0" dirty="0">
+                <a:effectLst/>
+                <a:latin typeface="LatoWeb"/>
+              </a:rPr>
+              <a:t>您可以完全控制進行中和已完成的傳輸。全方位功能讓您可以設定優先等級、暫停與恢復上傳及下載、並且能以輕鬆的方式為大型檔案產生連結，避免瀏覽器當機。</a:t>
+            </a:r>
+          </a:p>
+          <a:p>
+            <a:endParaRPr lang="zh-TW" altLang="en-US" dirty="0"/>
+          </a:p>
+        </p:txBody>
+      </p:sp>
     </p:spTree>
     <p:extLst>
       <p:ext uri="{BB962C8B-B14F-4D97-AF65-F5344CB8AC3E}">
-        <p14:creationId xmlns:p14="http://schemas.microsoft.com/office/powerpoint/2010/main" val="2703971805"/>
+        <p14:creationId xmlns:p14="http://schemas.microsoft.com/office/powerpoint/2010/main" val="1970196837"/>
       </p:ext>
     </p:extLst>
   </p:cSld>
@@ -8490,7 +8756,7 @@
           <p:cNvPr id="2" name="標題 1">
             <a:extLst>
               <a:ext uri="{FF2B5EF4-FFF2-40B4-BE49-F238E27FC236}">
-                <a16:creationId xmlns:a16="http://schemas.microsoft.com/office/drawing/2014/main" id="{A040F2C2-4EB1-9DDC-129B-3ADB6D1E99C8}"/>
+                <a16:creationId xmlns:a16="http://schemas.microsoft.com/office/drawing/2014/main" id="{3A10CDDA-279D-2917-36AE-7621BF717162}"/>
               </a:ext>
             </a:extLst>
           </p:cNvPr>
@@ -8501,56 +8767,106 @@
             <p:ph type="title"/>
           </p:nvPr>
         </p:nvSpPr>
-        <p:spPr>
-          <a:xfrm>
-            <a:off x="268448" y="0"/>
-            <a:ext cx="10131425" cy="1456267"/>
-          </a:xfrm>
-        </p:spPr>
+        <p:spPr/>
         <p:txBody>
           <a:bodyPr/>
           <a:lstStyle/>
           <a:p>
             <a:r>
               <a:rPr lang="zh-TW" altLang="en-US" dirty="0"/>
-              <a:t>個人版</a:t>
-            </a:r>
-          </a:p>
-        </p:txBody>
-      </p:sp>
-      <p:pic>
-        <p:nvPicPr>
-          <p:cNvPr id="5" name="內容版面配置區 4">
+              <a:t>安全性：</a:t>
+            </a:r>
+            <a:r>
+              <a:rPr lang="zh-TW" altLang="en-US" b="0" i="0" dirty="0">
+                <a:effectLst/>
+                <a:latin typeface="montserrat_light"/>
+              </a:rPr>
+              <a:t>以使用者控制的點對點加密技術而設計</a:t>
+            </a:r>
+            <a:endParaRPr lang="zh-TW" altLang="en-US" dirty="0"/>
+          </a:p>
+        </p:txBody>
+      </p:sp>
+      <p:sp>
+        <p:nvSpPr>
+          <p:cNvPr id="3" name="內容版面配置區 2">
             <a:extLst>
               <a:ext uri="{FF2B5EF4-FFF2-40B4-BE49-F238E27FC236}">
-                <a16:creationId xmlns:a16="http://schemas.microsoft.com/office/drawing/2014/main" id="{7D82FDA2-83D4-170A-E646-E4448FDEF67A}"/>
+                <a16:creationId xmlns:a16="http://schemas.microsoft.com/office/drawing/2014/main" id="{7C4117DD-13C0-85E1-94B8-17F09A6523AD}"/>
               </a:ext>
             </a:extLst>
           </p:cNvPr>
-          <p:cNvPicPr>
-            <a:picLocks noGrp="1" noChangeAspect="1"/>
-          </p:cNvPicPr>
+          <p:cNvSpPr>
+            <a:spLocks noGrp="1"/>
+          </p:cNvSpPr>
           <p:nvPr>
             <p:ph idx="1"/>
           </p:nvPr>
-        </p:nvPicPr>
-        <p:blipFill>
-          <a:blip r:embed="rId2"/>
-          <a:stretch>
-            <a:fillRect/>
-          </a:stretch>
-        </p:blipFill>
-        <p:spPr>
-          <a:xfrm>
-            <a:off x="2587178" y="728133"/>
-            <a:ext cx="7017644" cy="5868265"/>
-          </a:xfrm>
-        </p:spPr>
-      </p:pic>
+        </p:nvSpPr>
+        <p:spPr/>
+        <p:txBody>
+          <a:bodyPr>
+            <a:normAutofit/>
+          </a:bodyPr>
+          <a:lstStyle/>
+          <a:p>
+            <a:r>
+              <a:rPr lang="zh-TW" altLang="en-US" sz="2400" b="0" i="0" dirty="0">
+                <a:effectLst/>
+                <a:latin typeface="LatoWeb"/>
+              </a:rPr>
+              <a:t>您在</a:t>
+            </a:r>
+            <a:r>
+              <a:rPr lang="en-US" altLang="zh-TW" sz="2400" b="0" i="0" dirty="0">
+                <a:effectLst/>
+                <a:latin typeface="LatoWeb"/>
+              </a:rPr>
+              <a:t>MEGA</a:t>
+            </a:r>
+            <a:r>
+              <a:rPr lang="zh-TW" altLang="en-US" sz="2400" b="0" i="0" dirty="0">
+                <a:effectLst/>
+                <a:latin typeface="LatoWeb"/>
+              </a:rPr>
+              <a:t>上的所有資料都使用從您密碼所衍生出來的金鑰進行加密；換句話說，您的密碼就是您的主加密金鑰。</a:t>
+            </a:r>
+            <a:r>
+              <a:rPr lang="en-US" altLang="zh-TW" sz="2400" b="0" i="0" dirty="0">
+                <a:effectLst/>
+                <a:latin typeface="LatoWeb"/>
+              </a:rPr>
+              <a:t>MEGA</a:t>
+            </a:r>
+            <a:r>
+              <a:rPr lang="zh-TW" altLang="en-US" sz="2400" b="0" i="0" dirty="0">
+                <a:effectLst/>
+                <a:latin typeface="LatoWeb"/>
+              </a:rPr>
+              <a:t>無權存取您的密碼或資料。使用高強度且獨特的密碼將確保您的資料免遭駭客入侵，並讓您完全放心您的資料將保持原貌。</a:t>
+            </a:r>
+            <a:r>
+              <a:rPr lang="en-US" altLang="zh-TW" sz="2400" b="0" i="0" dirty="0">
+                <a:effectLst/>
+                <a:latin typeface="LatoWeb"/>
+              </a:rPr>
+              <a:t>MEGA</a:t>
+            </a:r>
+            <a:r>
+              <a:rPr lang="zh-TW" altLang="en-US" sz="2400" b="0" i="0" dirty="0">
+                <a:effectLst/>
+                <a:latin typeface="LatoWeb"/>
+              </a:rPr>
+              <a:t>建議您產生一組唯一的高強度密碼，並將其儲存在密碼管理員裡。</a:t>
+            </a:r>
+            <a:endParaRPr lang="zh-TW" altLang="en-US" sz="2400" dirty="0"/>
+          </a:p>
+        </p:txBody>
+      </p:sp>
     </p:spTree>
     <p:extLst>
       <p:ext uri="{BB962C8B-B14F-4D97-AF65-F5344CB8AC3E}">
-        <p14:creationId xmlns:p14="http://schemas.microsoft.com/office/powerpoint/2010/main" val="962945905"/>
+        <p14:creationId xmlns:p14="http://schemas.microsoft.com/office/powerpoint/2010/main" val="2997167959"/>
       </p:ext>
     </p:extLst>
   </p:cSld>
@@ -8582,7 +8898,7 @@
           <p:cNvPr id="2" name="標題 1">
             <a:extLst>
               <a:ext uri="{FF2B5EF4-FFF2-40B4-BE49-F238E27FC236}">
-                <a16:creationId xmlns:a16="http://schemas.microsoft.com/office/drawing/2014/main" id="{3D9C1DCA-42E1-5F55-2DD7-410ABE9761DB}"/>
+                <a16:creationId xmlns:a16="http://schemas.microsoft.com/office/drawing/2014/main" id="{697F4E18-39F3-63CA-6D78-B69C1B540133}"/>
               </a:ext>
             </a:extLst>
           </p:cNvPr>
@@ -8595,28 +8911,62 @@
         </p:nvSpPr>
         <p:spPr>
           <a:xfrm>
-            <a:off x="1030287" y="2700866"/>
+            <a:off x="677410" y="129252"/>
             <a:ext cx="10131425" cy="1456267"/>
           </a:xfrm>
         </p:spPr>
         <p:txBody>
-          <a:bodyPr>
-            <a:normAutofit/>
-          </a:bodyPr>
-          <a:lstStyle/>
-          <a:p>
-            <a:pPr algn="ctr"/>
-            <a:r>
-              <a:rPr lang="zh-TW" altLang="en-US" sz="5400" dirty="0"/>
-              <a:t>商業功能</a:t>
-            </a:r>
-          </a:p>
-        </p:txBody>
-      </p:sp>
+          <a:bodyPr/>
+          <a:lstStyle/>
+          <a:p>
+            <a:r>
+              <a:rPr lang="zh-TW" altLang="en-US" dirty="0"/>
+              <a:t>安全對話：</a:t>
+            </a:r>
+            <a:r>
+              <a:rPr lang="zh-TW" altLang="en-US" b="0" i="0" dirty="0">
+                <a:effectLst/>
+                <a:latin typeface="var(--text-font-family-second-bold)"/>
+              </a:rPr>
+              <a:t>具隱私和安全的通訊</a:t>
+            </a:r>
+            <a:endParaRPr lang="zh-TW" altLang="en-US" dirty="0"/>
+          </a:p>
+        </p:txBody>
+      </p:sp>
+      <p:pic>
+        <p:nvPicPr>
+          <p:cNvPr id="5" name="內容版面配置區 4">
+            <a:extLst>
+              <a:ext uri="{FF2B5EF4-FFF2-40B4-BE49-F238E27FC236}">
+                <a16:creationId xmlns:a16="http://schemas.microsoft.com/office/drawing/2014/main" id="{2B5F56C0-B1E8-06DF-132B-6B4159A0589A}"/>
+              </a:ext>
+            </a:extLst>
+          </p:cNvPr>
+          <p:cNvPicPr>
+            <a:picLocks noGrp="1" noChangeAspect="1"/>
+          </p:cNvPicPr>
+          <p:nvPr>
+            <p:ph idx="1"/>
+          </p:nvPr>
+        </p:nvPicPr>
+        <p:blipFill>
+          <a:blip r:embed="rId2"/>
+          <a:stretch>
+            <a:fillRect/>
+          </a:stretch>
+        </p:blipFill>
+        <p:spPr>
+          <a:xfrm>
+            <a:off x="1741296" y="1585519"/>
+            <a:ext cx="8593741" cy="4939359"/>
+          </a:xfrm>
+        </p:spPr>
+      </p:pic>
     </p:spTree>
     <p:extLst>
       <p:ext uri="{BB962C8B-B14F-4D97-AF65-F5344CB8AC3E}">
-        <p14:creationId xmlns:p14="http://schemas.microsoft.com/office/powerpoint/2010/main" val="2290891143"/>
+        <p14:creationId xmlns:p14="http://schemas.microsoft.com/office/powerpoint/2010/main" val="671673151"/>
       </p:ext>
     </p:extLst>
   </p:cSld>
